--- a/Docs&Slides/Control System R2.pptx
+++ b/Docs&Slides/Control System R2.pptx
@@ -5,7 +5,7 @@
     <p:sldMasterId id="2147483864" r:id="rId1"/>
   </p:sldMasterIdLst>
   <p:notesMasterIdLst>
-    <p:notesMasterId r:id="rId19"/>
+    <p:notesMasterId r:id="rId25"/>
   </p:notesMasterIdLst>
   <p:sldIdLst>
     <p:sldId id="256" r:id="rId2"/>
@@ -13,18 +13,24 @@
     <p:sldId id="261" r:id="rId4"/>
     <p:sldId id="259" r:id="rId5"/>
     <p:sldId id="260" r:id="rId6"/>
-    <p:sldId id="272" r:id="rId7"/>
-    <p:sldId id="270" r:id="rId8"/>
-    <p:sldId id="276" r:id="rId9"/>
-    <p:sldId id="282" r:id="rId10"/>
-    <p:sldId id="283" r:id="rId11"/>
-    <p:sldId id="290" r:id="rId12"/>
+    <p:sldId id="298" r:id="rId7"/>
+    <p:sldId id="272" r:id="rId8"/>
+    <p:sldId id="270" r:id="rId9"/>
+    <p:sldId id="276" r:id="rId10"/>
+    <p:sldId id="282" r:id="rId11"/>
+    <p:sldId id="283" r:id="rId12"/>
     <p:sldId id="286" r:id="rId13"/>
     <p:sldId id="287" r:id="rId14"/>
     <p:sldId id="288" r:id="rId15"/>
-    <p:sldId id="291" r:id="rId16"/>
-    <p:sldId id="292" r:id="rId17"/>
-    <p:sldId id="257" r:id="rId18"/>
+    <p:sldId id="299" r:id="rId16"/>
+    <p:sldId id="291" r:id="rId17"/>
+    <p:sldId id="292" r:id="rId18"/>
+    <p:sldId id="293" r:id="rId19"/>
+    <p:sldId id="294" r:id="rId20"/>
+    <p:sldId id="295" r:id="rId21"/>
+    <p:sldId id="296" r:id="rId22"/>
+    <p:sldId id="297" r:id="rId23"/>
+    <p:sldId id="257" r:id="rId24"/>
   </p:sldIdLst>
   <p:sldSz cx="12192000" cy="6858000"/>
   <p:notesSz cx="6858000" cy="9144000"/>
@@ -221,7 +227,7 @@
           <a:p>
             <a:fld id="{FD4EC430-6E8E-49F8-B0A5-79140109568C}" type="datetimeFigureOut">
               <a:rPr lang="en-IN" smtClean="0"/>
-              <a:t>24-08-2025</a:t>
+              <a:t>25-08-2025</a:t>
             </a:fld>
             <a:endParaRPr lang="en-IN"/>
           </a:p>
@@ -640,7 +646,7 @@
           <a:p>
             <a:fld id="{A068949A-688B-4AED-AA8E-F203BA3310F5}" type="datetimeFigureOut">
               <a:rPr lang="en-US" dirty="0"/>
-              <a:t>8/24/2025</a:t>
+              <a:t>8/25/2025</a:t>
             </a:fld>
             <a:endParaRPr lang="en-US"/>
           </a:p>
@@ -843,7 +849,7 @@
           <a:p>
             <a:fld id="{16F30231-6059-4AF0-B828-13FEB68C6E43}" type="datetimeFigureOut">
               <a:rPr lang="en-US" dirty="0"/>
-              <a:t>8/24/2025</a:t>
+              <a:t>8/25/2025</a:t>
             </a:fld>
             <a:endParaRPr lang="en-US"/>
           </a:p>
@@ -1056,7 +1062,7 @@
           <a:p>
             <a:fld id="{5906E087-9EB9-42E7-B62A-9B8FE3556101}" type="datetimeFigureOut">
               <a:rPr lang="en-US" dirty="0"/>
-              <a:t>8/24/2025</a:t>
+              <a:t>8/25/2025</a:t>
             </a:fld>
             <a:endParaRPr lang="en-US"/>
           </a:p>
@@ -1259,7 +1265,7 @@
           <a:p>
             <a:fld id="{10C57B2A-1291-46F4-B4CC-8BAFDF935B56}" type="datetimeFigureOut">
               <a:rPr lang="en-US" dirty="0"/>
-              <a:t>8/24/2025</a:t>
+              <a:t>8/25/2025</a:t>
             </a:fld>
             <a:endParaRPr lang="en-US"/>
           </a:p>
@@ -1541,7 +1547,7 @@
           <a:p>
             <a:fld id="{2E76B3B4-A63D-42FA-B9D1-41D36384F384}" type="datetimeFigureOut">
               <a:rPr lang="en-US" dirty="0"/>
-              <a:t>8/24/2025</a:t>
+              <a:t>8/25/2025</a:t>
             </a:fld>
             <a:endParaRPr lang="en-US"/>
           </a:p>
@@ -1811,7 +1817,7 @@
           <a:p>
             <a:fld id="{1BBF0803-F60A-46DD-B88E-307855619A34}" type="datetimeFigureOut">
               <a:rPr lang="en-US" dirty="0"/>
-              <a:t>8/24/2025</a:t>
+              <a:t>8/25/2025</a:t>
             </a:fld>
             <a:endParaRPr lang="en-US"/>
           </a:p>
@@ -2246,7 +2252,7 @@
           <a:p>
             <a:fld id="{583B4245-B7F0-48F5-9A59-408A637F0829}" type="datetimeFigureOut">
               <a:rPr lang="en-US" dirty="0"/>
-              <a:t>8/24/2025</a:t>
+              <a:t>8/25/2025</a:t>
             </a:fld>
             <a:endParaRPr lang="en-US"/>
           </a:p>
@@ -2392,7 +2398,7 @@
           <a:p>
             <a:fld id="{C1A9FBFC-AFD0-49F7-9AAB-86AF5F4471C2}" type="datetimeFigureOut">
               <a:rPr lang="en-US" dirty="0"/>
-              <a:t>8/24/2025</a:t>
+              <a:t>8/25/2025</a:t>
             </a:fld>
             <a:endParaRPr lang="en-US"/>
           </a:p>
@@ -2510,7 +2516,7 @@
           <a:p>
             <a:fld id="{46DAEFA3-A6B6-4916-BD87-2F7F0B6DE4AC}" type="datetimeFigureOut">
               <a:rPr lang="en-US" dirty="0"/>
-              <a:t>8/24/2025</a:t>
+              <a:t>8/25/2025</a:t>
             </a:fld>
             <a:endParaRPr lang="en-US"/>
           </a:p>
@@ -2826,7 +2832,7 @@
           <a:p>
             <a:fld id="{3D928FE2-E902-4B86-B2C7-4AE6B54CDB70}" type="datetimeFigureOut">
               <a:rPr lang="en-US" dirty="0"/>
-              <a:t>8/24/2025</a:t>
+              <a:t>8/25/2025</a:t>
             </a:fld>
             <a:endParaRPr lang="en-US"/>
           </a:p>
@@ -3119,7 +3125,7 @@
           <a:p>
             <a:fld id="{E8674E58-F253-4E0F-B41E-2DC0E51ABEA1}" type="datetimeFigureOut">
               <a:rPr lang="en-US" dirty="0"/>
-              <a:t>8/24/2025</a:t>
+              <a:t>8/25/2025</a:t>
             </a:fld>
             <a:endParaRPr lang="en-US"/>
           </a:p>
@@ -6131,7 +6137,7 @@
             <a:fld id="{0F082710-245A-48CB-A5F6-8BB1DF6AB298}" type="datetimeFigureOut">
               <a:rPr lang="en-US" dirty="0"/>
               <a:pPr/>
-              <a:t>8/24/2025</a:t>
+              <a:t>8/25/2025</a:t>
             </a:fld>
             <a:endParaRPr lang="en-US"/>
           </a:p>
@@ -6879,7 +6885,7 @@
           <p:cNvPr id="2" name="Title 1">
             <a:extLst>
               <a:ext uri="{FF2B5EF4-FFF2-40B4-BE49-F238E27FC236}">
-                <a16:creationId xmlns:a16="http://schemas.microsoft.com/office/drawing/2014/main" id="{9E8C9113-222A-942F-FCBC-126B55513422}"/>
+                <a16:creationId xmlns:a16="http://schemas.microsoft.com/office/drawing/2014/main" id="{F86E1090-DA13-3C5B-EBF8-F35147EDC47B}"/>
               </a:ext>
             </a:extLst>
           </p:cNvPr>
@@ -6892,17 +6898,152 @@
         </p:nvSpPr>
         <p:spPr/>
         <p:txBody>
-          <a:bodyPr/>
-          <a:lstStyle/>
-          <a:p>
-            <a:r>
-              <a:rPr lang="en-US">
+          <a:bodyPr>
+            <a:normAutofit/>
+          </a:bodyPr>
+          <a:lstStyle/>
+          <a:p>
+            <a:r>
+              <a:rPr lang="en-US" sz="3200" dirty="0"/>
+              <a:t> </a:t>
+            </a:r>
+            <a:r>
+              <a:rPr lang="en-US" sz="3200" dirty="0">
                 <a:ea typeface="+mj-lt"/>
                 <a:cs typeface="+mj-lt"/>
               </a:rPr>
-              <a:t>IEEE 14 Bus System</a:t>
-            </a:r>
-            <a:endParaRPr lang="en-US"/>
+              <a:t>IEEE 14-Bus System with Hospital Zones</a:t>
+            </a:r>
+          </a:p>
+        </p:txBody>
+      </p:sp>
+      <p:sp>
+        <p:nvSpPr>
+          <p:cNvPr id="3" name="Content Placeholder 2">
+            <a:extLst>
+              <a:ext uri="{FF2B5EF4-FFF2-40B4-BE49-F238E27FC236}">
+                <a16:creationId xmlns:a16="http://schemas.microsoft.com/office/drawing/2014/main" id="{4EEB8EC1-9699-C636-499C-3666A414CA8E}"/>
+              </a:ext>
+            </a:extLst>
+          </p:cNvPr>
+          <p:cNvSpPr>
+            <a:spLocks noGrp="1"/>
+          </p:cNvSpPr>
+          <p:nvPr>
+            <p:ph idx="1"/>
+          </p:nvPr>
+        </p:nvSpPr>
+        <p:spPr/>
+        <p:txBody>
+          <a:bodyPr vert="horz" lIns="91440" tIns="45720" rIns="91440" bIns="45720" rtlCol="0" anchor="t">
+            <a:normAutofit lnSpcReduction="10000"/>
+          </a:bodyPr>
+          <a:lstStyle/>
+          <a:p>
+            <a:r>
+              <a:rPr lang="en-US" dirty="0">
+                <a:ea typeface="+mn-lt"/>
+                <a:cs typeface="+mn-lt"/>
+              </a:rPr>
+              <a:t>Load IEEE 14-Bus System</a:t>
+            </a:r>
+            <a:endParaRPr lang="en-US" dirty="0"/>
+          </a:p>
+          <a:p>
+            <a:pPr>
+              <a:buClr>
+                <a:srgbClr val="C3B2A7"/>
+              </a:buClr>
+            </a:pPr>
+            <a:r>
+              <a:rPr lang="en-US" dirty="0">
+                <a:ea typeface="+mn-lt"/>
+                <a:cs typeface="+mn-lt"/>
+              </a:rPr>
+              <a:t>Use MATLAB/Simulink (</a:t>
+            </a:r>
+            <a:r>
+              <a:rPr lang="en-US" dirty="0" err="1">
+                <a:ea typeface="+mn-lt"/>
+                <a:cs typeface="+mn-lt"/>
+              </a:rPr>
+              <a:t>Simscape</a:t>
+            </a:r>
+            <a:r>
+              <a:rPr lang="en-US" dirty="0">
+                <a:ea typeface="+mn-lt"/>
+                <a:cs typeface="+mn-lt"/>
+              </a:rPr>
+              <a:t> Electrical) or MATPOWER to load the network.</a:t>
+            </a:r>
+            <a:endParaRPr lang="en-US" dirty="0"/>
+          </a:p>
+          <a:p>
+            <a:pPr>
+              <a:buClr>
+                <a:srgbClr val="C3B2A7"/>
+              </a:buClr>
+            </a:pPr>
+            <a:r>
+              <a:rPr lang="en-US" dirty="0">
+                <a:ea typeface="+mn-lt"/>
+                <a:cs typeface="+mn-lt"/>
+              </a:rPr>
+              <a:t>Select 4-6 Buses for Hospital Zones</a:t>
+            </a:r>
+            <a:endParaRPr lang="en-US" dirty="0"/>
+          </a:p>
+          <a:p>
+            <a:pPr>
+              <a:buClr>
+                <a:srgbClr val="C3B2A7"/>
+              </a:buClr>
+            </a:pPr>
+            <a:r>
+              <a:rPr lang="en-US" dirty="0">
+                <a:ea typeface="+mn-lt"/>
+                <a:cs typeface="+mn-lt"/>
+              </a:rPr>
+              <a:t>Assign each to a hospital department based on criticality.</a:t>
+            </a:r>
+            <a:endParaRPr lang="en-US" dirty="0"/>
+          </a:p>
+          <a:p>
+            <a:pPr>
+              <a:buClr>
+                <a:srgbClr val="C3B2A7"/>
+              </a:buClr>
+            </a:pPr>
+            <a:r>
+              <a:rPr lang="en-US" dirty="0">
+                <a:ea typeface="+mn-lt"/>
+                <a:cs typeface="+mn-lt"/>
+              </a:rPr>
+              <a:t>Replace Default Loads with Custom Hospital Models</a:t>
+            </a:r>
+          </a:p>
+          <a:p>
+            <a:pPr>
+              <a:buClr>
+                <a:srgbClr val="C3B2A7"/>
+              </a:buClr>
+            </a:pPr>
+            <a:r>
+              <a:rPr lang="en-US" dirty="0">
+                <a:ea typeface="+mn-lt"/>
+                <a:cs typeface="+mn-lt"/>
+              </a:rPr>
+              <a:t>Run Simulations and observe power flow, HVAC switching, and zone-wise temperature profiles.</a:t>
+            </a:r>
+            <a:endParaRPr lang="en-US" dirty="0"/>
+          </a:p>
+          <a:p>
+            <a:pPr>
+              <a:buClr>
+                <a:srgbClr val="C3B2A7"/>
+              </a:buClr>
+            </a:pPr>
+            <a:endParaRPr lang="en-US" dirty="0"/>
           </a:p>
         </p:txBody>
       </p:sp>
@@ -6911,7 +7052,7 @@
           <p:cNvPr id="4" name="Date Placeholder 3">
             <a:extLst>
               <a:ext uri="{FF2B5EF4-FFF2-40B4-BE49-F238E27FC236}">
-                <a16:creationId xmlns:a16="http://schemas.microsoft.com/office/drawing/2014/main" id="{149CF0CE-760A-F330-33C5-42FF3F75A0EB}"/>
+                <a16:creationId xmlns:a16="http://schemas.microsoft.com/office/drawing/2014/main" id="{EF08A0F8-5102-299B-517A-71035E110C0C}"/>
               </a:ext>
             </a:extLst>
           </p:cNvPr>
@@ -6927,9 +7068,9 @@
           <a:bodyPr/>
           <a:lstStyle/>
           <a:p>
-            <a:fld id="{2ABDBAA8-B311-4E8A-AF76-9FA33B368BD9}" type="datetime1">
+            <a:fld id="{C31C078E-B99B-41AF-84C4-9BD4D26A4BEF}" type="datetime1">
               <a:rPr lang="en-US"/>
-              <a:t>8/24/2025</a:t>
+              <a:t>8/25/2025</a:t>
             </a:fld>
             <a:endParaRPr lang="en-US"/>
           </a:p>
@@ -6940,7 +7081,7 @@
           <p:cNvPr id="5" name="Slide Number Placeholder 4">
             <a:extLst>
               <a:ext uri="{FF2B5EF4-FFF2-40B4-BE49-F238E27FC236}">
-                <a16:creationId xmlns:a16="http://schemas.microsoft.com/office/drawing/2014/main" id="{E450012E-2CEC-31DA-1AF2-AEE65BA89E53}"/>
+                <a16:creationId xmlns:a16="http://schemas.microsoft.com/office/drawing/2014/main" id="{199ACE33-8E69-C0BE-489A-1A5A260DD5C1}"/>
               </a:ext>
             </a:extLst>
           </p:cNvPr>
@@ -6964,42 +7105,10 @@
           </a:p>
         </p:txBody>
       </p:sp>
-      <p:pic>
-        <p:nvPicPr>
-          <p:cNvPr id="8" name="Content Placeholder 7" descr="A computer screen shot of a diagram&#10;&#10;AI-generated content may be incorrect.">
-            <a:extLst>
-              <a:ext uri="{FF2B5EF4-FFF2-40B4-BE49-F238E27FC236}">
-                <a16:creationId xmlns:a16="http://schemas.microsoft.com/office/drawing/2014/main" id="{BAD51276-45BD-B87F-7C42-D7D1921D39FC}"/>
-              </a:ext>
-            </a:extLst>
-          </p:cNvPr>
-          <p:cNvPicPr>
-            <a:picLocks noGrp="1" noChangeAspect="1"/>
-          </p:cNvPicPr>
-          <p:nvPr>
-            <p:ph idx="1"/>
-          </p:nvPr>
-        </p:nvPicPr>
-        <p:blipFill>
-          <a:blip r:embed="rId2"/>
-          <a:stretch>
-            <a:fillRect/>
-          </a:stretch>
-        </p:blipFill>
-        <p:spPr>
-          <a:xfrm>
-            <a:off x="1801256" y="1831388"/>
-            <a:ext cx="8041799" cy="4394470"/>
-          </a:xfrm>
-          <a:prstGeom prst="rect">
-            <a:avLst/>
-          </a:prstGeom>
-        </p:spPr>
-      </p:pic>
     </p:spTree>
     <p:extLst>
       <p:ext uri="{BB962C8B-B14F-4D97-AF65-F5344CB8AC3E}">
-        <p14:creationId xmlns:p14="http://schemas.microsoft.com/office/powerpoint/2010/main" val="120388553"/>
+        <p14:creationId xmlns:p14="http://schemas.microsoft.com/office/powerpoint/2010/main" val="2547245840"/>
       </p:ext>
     </p:extLst>
   </p:cSld>
@@ -7014,13 +7123,7 @@
   <p:cSld>
     <p:spTree>
       <p:nvGrpSpPr>
-        <p:cNvPr id="1" name="">
-          <a:extLst>
-            <a:ext uri="{FF2B5EF4-FFF2-40B4-BE49-F238E27FC236}">
-              <a16:creationId xmlns:a16="http://schemas.microsoft.com/office/drawing/2014/main" id="{29538EC8-31F8-AF4A-DCF4-B2CAD4015DAD}"/>
-            </a:ext>
-          </a:extLst>
-        </p:cNvPr>
+        <p:cNvPr id="1" name=""/>
         <p:cNvGrpSpPr/>
         <p:nvPr/>
       </p:nvGrpSpPr>
@@ -7037,7 +7140,7 @@
           <p:cNvPr id="2" name="Title 1">
             <a:extLst>
               <a:ext uri="{FF2B5EF4-FFF2-40B4-BE49-F238E27FC236}">
-                <a16:creationId xmlns:a16="http://schemas.microsoft.com/office/drawing/2014/main" id="{D91AF881-0262-4205-6337-7737433D078C}"/>
+                <a16:creationId xmlns:a16="http://schemas.microsoft.com/office/drawing/2014/main" id="{9E8C9113-222A-942F-FCBC-126B55513422}"/>
               </a:ext>
             </a:extLst>
           </p:cNvPr>
@@ -7054,287 +7157,22 @@
           <a:lstStyle/>
           <a:p>
             <a:r>
-              <a:rPr lang="en-US">
+              <a:rPr lang="en-US" dirty="0">
                 <a:ea typeface="+mj-lt"/>
                 <a:cs typeface="+mj-lt"/>
               </a:rPr>
-              <a:t>Hospital Zones &amp; Priority Levels</a:t>
-            </a:r>
-            <a:endParaRPr lang="en-US"/>
-          </a:p>
-        </p:txBody>
-      </p:sp>
-      <p:graphicFrame>
-        <p:nvGraphicFramePr>
-          <p:cNvPr id="6" name="Content Placeholder 5">
-            <a:extLst>
-              <a:ext uri="{FF2B5EF4-FFF2-40B4-BE49-F238E27FC236}">
-                <a16:creationId xmlns:a16="http://schemas.microsoft.com/office/drawing/2014/main" id="{40E9C867-8CFD-E4F0-57F9-C9E36594ED9D}"/>
-              </a:ext>
-            </a:extLst>
-          </p:cNvPr>
-          <p:cNvGraphicFramePr>
-            <a:graphicFrameLocks noGrp="1"/>
-          </p:cNvGraphicFramePr>
-          <p:nvPr>
-            <p:ph idx="1"/>
-          </p:nvPr>
-        </p:nvGraphicFramePr>
-        <p:xfrm>
-          <a:off x="1069975" y="1874838"/>
-          <a:ext cx="9273291" cy="3591210"/>
-        </p:xfrm>
-        <a:graphic>
-          <a:graphicData uri="http://schemas.openxmlformats.org/drawingml/2006/table">
-            <a:tbl>
-              <a:tblPr firstRow="1" bandRow="1">
-                <a:tableStyleId>{5C22544A-7EE6-4342-B048-85BDC9FD1C3A}</a:tableStyleId>
-              </a:tblPr>
-              <a:tblGrid>
-                <a:gridCol w="1985952">
-                  <a:extLst>
-                    <a:ext uri="{9D8B030D-6E8A-4147-A177-3AD203B41FA5}">
-                      <a16:colId xmlns:a16="http://schemas.microsoft.com/office/drawing/2014/main" val="3926942578"/>
-                    </a:ext>
-                  </a:extLst>
-                </a:gridCol>
-                <a:gridCol w="7287339">
-                  <a:extLst>
-                    <a:ext uri="{9D8B030D-6E8A-4147-A177-3AD203B41FA5}">
-                      <a16:colId xmlns:a16="http://schemas.microsoft.com/office/drawing/2014/main" val="466971298"/>
-                    </a:ext>
-                  </a:extLst>
-                </a:gridCol>
-              </a:tblGrid>
-              <a:tr h="709390">
-                <a:tc>
-                  <a:txBody>
-                    <a:bodyPr/>
-                    <a:lstStyle/>
-                    <a:p>
-                      <a:pPr algn="ctr"/>
-                      <a:r>
-                        <a:rPr lang="en-US" sz="2800"/>
-                        <a:t>Priority </a:t>
-                      </a:r>
-                    </a:p>
-                  </a:txBody>
-                  <a:tcPr/>
-                </a:tc>
-                <a:tc>
-                  <a:txBody>
-                    <a:bodyPr/>
-                    <a:lstStyle/>
-                    <a:p>
-                      <a:pPr algn="ctr"/>
-                      <a:r>
-                        <a:rPr lang="en-US" sz="2800"/>
-                        <a:t>Hospital Zone </a:t>
-                      </a:r>
-                    </a:p>
-                  </a:txBody>
-                  <a:tcPr/>
-                </a:tc>
-                <a:extLst>
-                  <a:ext uri="{0D108BD9-81ED-4DB2-BD59-A6C34878D82A}">
-                    <a16:rowId xmlns:a16="http://schemas.microsoft.com/office/drawing/2014/main" val="3275450246"/>
-                  </a:ext>
-                </a:extLst>
-              </a:tr>
-              <a:tr h="709390">
-                <a:tc>
-                  <a:txBody>
-                    <a:bodyPr/>
-                    <a:lstStyle/>
-                    <a:p>
-                      <a:pPr algn="ctr"/>
-                      <a:r>
-                        <a:rPr lang="en-US" sz="2800"/>
-                        <a:t>1</a:t>
-                      </a:r>
-                    </a:p>
-                  </a:txBody>
-                  <a:tcPr/>
-                </a:tc>
-                <a:tc>
-                  <a:txBody>
-                    <a:bodyPr/>
-                    <a:lstStyle/>
-                    <a:p>
-                      <a:pPr lvl="0" algn="ctr">
-                        <a:lnSpc>
-                          <a:spcPct val="100000"/>
-                        </a:lnSpc>
-                        <a:spcBef>
-                          <a:spcPts val="0"/>
-                        </a:spcBef>
-                        <a:spcAft>
-                          <a:spcPts val="0"/>
-                        </a:spcAft>
-                        <a:buNone/>
-                      </a:pPr>
-                      <a:r>
-                        <a:rPr lang="en-US" sz="2400"/>
-                        <a:t>ICU, Operating Theater</a:t>
-                      </a:r>
-                    </a:p>
-                    <a:p>
-                      <a:pPr lvl="0">
-                        <a:buNone/>
-                      </a:pPr>
-                      <a:endParaRPr lang="en-US"/>
-                    </a:p>
-                  </a:txBody>
-                  <a:tcPr/>
-                </a:tc>
-                <a:extLst>
-                  <a:ext uri="{0D108BD9-81ED-4DB2-BD59-A6C34878D82A}">
-                    <a16:rowId xmlns:a16="http://schemas.microsoft.com/office/drawing/2014/main" val="3690155282"/>
-                  </a:ext>
-                </a:extLst>
-              </a:tr>
-              <a:tr h="709390">
-                <a:tc>
-                  <a:txBody>
-                    <a:bodyPr/>
-                    <a:lstStyle/>
-                    <a:p>
-                      <a:pPr algn="ctr"/>
-                      <a:r>
-                        <a:rPr lang="en-US" sz="2800"/>
-                        <a:t>2</a:t>
-                      </a:r>
-                    </a:p>
-                  </a:txBody>
-                  <a:tcPr/>
-                </a:tc>
-                <a:tc>
-                  <a:txBody>
-                    <a:bodyPr/>
-                    <a:lstStyle/>
-                    <a:p>
-                      <a:pPr lvl="0" algn="ctr">
-                        <a:lnSpc>
-                          <a:spcPct val="100000"/>
-                        </a:lnSpc>
-                        <a:spcBef>
-                          <a:spcPts val="0"/>
-                        </a:spcBef>
-                        <a:spcAft>
-                          <a:spcPts val="0"/>
-                        </a:spcAft>
-                        <a:buNone/>
-                      </a:pPr>
-                      <a:r>
-                        <a:rPr lang="en-US" sz="2400"/>
-                        <a:t>Emergency, Critical Care Wards</a:t>
-                      </a:r>
-                    </a:p>
-                    <a:p>
-                      <a:pPr lvl="0">
-                        <a:buNone/>
-                      </a:pPr>
-                      <a:endParaRPr lang="en-US"/>
-                    </a:p>
-                  </a:txBody>
-                  <a:tcPr/>
-                </a:tc>
-                <a:extLst>
-                  <a:ext uri="{0D108BD9-81ED-4DB2-BD59-A6C34878D82A}">
-                    <a16:rowId xmlns:a16="http://schemas.microsoft.com/office/drawing/2014/main" val="3998015903"/>
-                  </a:ext>
-                </a:extLst>
-              </a:tr>
-              <a:tr h="709390">
-                <a:tc>
-                  <a:txBody>
-                    <a:bodyPr/>
-                    <a:lstStyle/>
-                    <a:p>
-                      <a:pPr algn="ctr"/>
-                      <a:r>
-                        <a:rPr lang="en-US" sz="2800"/>
-                        <a:t>3</a:t>
-                      </a:r>
-                    </a:p>
-                  </a:txBody>
-                  <a:tcPr/>
-                </a:tc>
-                <a:tc>
-                  <a:txBody>
-                    <a:bodyPr/>
-                    <a:lstStyle/>
-                    <a:p>
-                      <a:pPr lvl="0" algn="ctr">
-                        <a:buNone/>
-                      </a:pPr>
-                      <a:r>
-                        <a:rPr lang="en-US" sz="2400" b="0" i="0" u="none" strike="noStrike" noProof="0">
-                          <a:latin typeface="Avenir Next LT Pro"/>
-                        </a:rPr>
-                        <a:t>General Wards</a:t>
-                      </a:r>
-                      <a:endParaRPr lang="en-US" sz="2400"/>
-                    </a:p>
-                  </a:txBody>
-                  <a:tcPr/>
-                </a:tc>
-                <a:extLst>
-                  <a:ext uri="{0D108BD9-81ED-4DB2-BD59-A6C34878D82A}">
-                    <a16:rowId xmlns:a16="http://schemas.microsoft.com/office/drawing/2014/main" val="525681955"/>
-                  </a:ext>
-                </a:extLst>
-              </a:tr>
-              <a:tr h="709390">
-                <a:tc>
-                  <a:txBody>
-                    <a:bodyPr/>
-                    <a:lstStyle/>
-                    <a:p>
-                      <a:pPr algn="ctr"/>
-                      <a:r>
-                        <a:rPr lang="en-US" sz="2800"/>
-                        <a:t>4</a:t>
-                      </a:r>
-                    </a:p>
-                  </a:txBody>
-                  <a:tcPr/>
-                </a:tc>
-                <a:tc>
-                  <a:txBody>
-                    <a:bodyPr/>
-                    <a:lstStyle/>
-                    <a:p>
-                      <a:pPr lvl="0" algn="ctr">
-                        <a:buNone/>
-                      </a:pPr>
-                      <a:r>
-                        <a:rPr lang="en-US" sz="2400" b="0" i="0" u="none" strike="noStrike" noProof="0">
-                          <a:latin typeface="Avenir Next LT Pro"/>
-                        </a:rPr>
-                        <a:t>Administrative Offices</a:t>
-                      </a:r>
-                      <a:endParaRPr lang="en-US" sz="2400"/>
-                    </a:p>
-                  </a:txBody>
-                  <a:tcPr/>
-                </a:tc>
-                <a:extLst>
-                  <a:ext uri="{0D108BD9-81ED-4DB2-BD59-A6C34878D82A}">
-                    <a16:rowId xmlns:a16="http://schemas.microsoft.com/office/drawing/2014/main" val="2450867088"/>
-                  </a:ext>
-                </a:extLst>
-              </a:tr>
-            </a:tbl>
-          </a:graphicData>
-        </a:graphic>
-      </p:graphicFrame>
+              <a:t>IEEE 14 Bus System</a:t>
+            </a:r>
+            <a:endParaRPr lang="en-US" dirty="0"/>
+          </a:p>
+        </p:txBody>
+      </p:sp>
       <p:sp>
         <p:nvSpPr>
           <p:cNvPr id="4" name="Date Placeholder 3">
             <a:extLst>
               <a:ext uri="{FF2B5EF4-FFF2-40B4-BE49-F238E27FC236}">
-                <a16:creationId xmlns:a16="http://schemas.microsoft.com/office/drawing/2014/main" id="{94D99EB2-8E3F-BF42-C8D7-832140663D3D}"/>
+                <a16:creationId xmlns:a16="http://schemas.microsoft.com/office/drawing/2014/main" id="{149CF0CE-760A-F330-33C5-42FF3F75A0EB}"/>
               </a:ext>
             </a:extLst>
           </p:cNvPr>
@@ -7352,7 +7190,7 @@
           <a:p>
             <a:fld id="{2ABDBAA8-B311-4E8A-AF76-9FA33B368BD9}" type="datetime1">
               <a:rPr lang="en-US"/>
-              <a:t>8/24/2025</a:t>
+              <a:t>8/25/2025</a:t>
             </a:fld>
             <a:endParaRPr lang="en-US"/>
           </a:p>
@@ -7363,7 +7201,7 @@
           <p:cNvPr id="5" name="Slide Number Placeholder 4">
             <a:extLst>
               <a:ext uri="{FF2B5EF4-FFF2-40B4-BE49-F238E27FC236}">
-                <a16:creationId xmlns:a16="http://schemas.microsoft.com/office/drawing/2014/main" id="{BDD7E93E-D32C-D158-CD2C-BECFCCB0A4C4}"/>
+                <a16:creationId xmlns:a16="http://schemas.microsoft.com/office/drawing/2014/main" id="{E450012E-2CEC-31DA-1AF2-AEE65BA89E53}"/>
               </a:ext>
             </a:extLst>
           </p:cNvPr>
@@ -7387,10 +7225,42 @@
           </a:p>
         </p:txBody>
       </p:sp>
+      <p:pic>
+        <p:nvPicPr>
+          <p:cNvPr id="9" name="Content Placeholder 8">
+            <a:extLst>
+              <a:ext uri="{FF2B5EF4-FFF2-40B4-BE49-F238E27FC236}">
+                <a16:creationId xmlns:a16="http://schemas.microsoft.com/office/drawing/2014/main" id="{C96DDC80-6D2C-BEA8-6E32-24CA54D50049}"/>
+              </a:ext>
+            </a:extLst>
+          </p:cNvPr>
+          <p:cNvPicPr>
+            <a:picLocks noGrp="1" noChangeAspect="1"/>
+          </p:cNvPicPr>
+          <p:nvPr>
+            <p:ph idx="1"/>
+          </p:nvPr>
+        </p:nvPicPr>
+        <p:blipFill>
+          <a:blip r:embed="rId2"/>
+          <a:stretch>
+            <a:fillRect/>
+          </a:stretch>
+        </p:blipFill>
+        <p:spPr>
+          <a:xfrm>
+            <a:off x="1074521" y="1435509"/>
+            <a:ext cx="9629338" cy="5171768"/>
+          </a:xfrm>
+          <a:prstGeom prst="rect">
+            <a:avLst/>
+          </a:prstGeom>
+        </p:spPr>
+      </p:pic>
     </p:spTree>
     <p:extLst>
       <p:ext uri="{BB962C8B-B14F-4D97-AF65-F5344CB8AC3E}">
-        <p14:creationId xmlns:p14="http://schemas.microsoft.com/office/powerpoint/2010/main" val="3783637087"/>
+        <p14:creationId xmlns:p14="http://schemas.microsoft.com/office/powerpoint/2010/main" val="120388553"/>
       </p:ext>
     </p:extLst>
   </p:cSld>
@@ -7658,7 +7528,7 @@
           <a:p>
             <a:fld id="{1CF701D7-76D0-47F3-B2AA-2628F20AEF5B}" type="datetime1">
               <a:rPr lang="en-US"/>
-              <a:t>8/24/2025</a:t>
+              <a:t>8/25/2025</a:t>
             </a:fld>
             <a:endParaRPr lang="en-US"/>
           </a:p>
@@ -7842,7 +7712,7 @@
               <a:buNone/>
             </a:pPr>
             <a:r>
-              <a:rPr lang="en-US" b="1">
+              <a:rPr lang="en-US" b="1" dirty="0">
                 <a:ea typeface="+mn-lt"/>
                 <a:cs typeface="+mn-lt"/>
               </a:rPr>
@@ -7858,13 +7728,13 @@
               <a:buChar char="•"/>
             </a:pPr>
             <a:r>
-              <a:rPr lang="en-US">
+              <a:rPr lang="en-US" dirty="0">
                 <a:ea typeface="+mn-lt"/>
                 <a:cs typeface="+mn-lt"/>
               </a:rPr>
               <a:t>Keep HVAC ON as long as possible.</a:t>
             </a:r>
-            <a:endParaRPr lang="en-US"/>
+            <a:endParaRPr lang="en-US" dirty="0"/>
           </a:p>
           <a:p>
             <a:pPr>
@@ -7875,13 +7745,13 @@
               <a:buChar char="•"/>
             </a:pPr>
             <a:r>
-              <a:rPr lang="en-US">
+              <a:rPr lang="en-US" dirty="0">
                 <a:ea typeface="+mn-lt"/>
                 <a:cs typeface="+mn-lt"/>
               </a:rPr>
-              <a:t>Use narrow temperature band (e.g., 22–24°C) for stricter control.</a:t>
-            </a:r>
-            <a:endParaRPr lang="en-US"/>
+              <a:t>Use narrow temperature band (e.g., 24°C) for stricter control.</a:t>
+            </a:r>
+            <a:endParaRPr lang="en-US" dirty="0"/>
           </a:p>
           <a:p>
             <a:pPr>
@@ -7892,13 +7762,13 @@
               <a:buChar char="•"/>
             </a:pPr>
             <a:r>
-              <a:rPr lang="en-US">
+              <a:rPr lang="en-US" dirty="0">
                 <a:ea typeface="+mn-lt"/>
                 <a:cs typeface="+mn-lt"/>
               </a:rPr>
               <a:t>Allow higher power usage threshold before shedding.</a:t>
             </a:r>
-            <a:endParaRPr lang="en-US"/>
+            <a:endParaRPr lang="en-US" dirty="0"/>
           </a:p>
           <a:p>
             <a:pPr marL="0" indent="0">
@@ -7908,17 +7778,17 @@
               <a:buNone/>
             </a:pPr>
             <a:r>
-              <a:rPr lang="en-US" b="1"/>
+              <a:rPr lang="en-US" b="1" dirty="0"/>
               <a:t>Prio</a:t>
             </a:r>
             <a:r>
-              <a:rPr lang="en-US" b="1">
+              <a:rPr lang="en-US" b="1" dirty="0">
                 <a:ea typeface="+mn-lt"/>
                 <a:cs typeface="+mn-lt"/>
               </a:rPr>
               <a:t>rity 2 (Emergency, Critical Care):</a:t>
             </a:r>
-            <a:endParaRPr lang="en-US" b="1"/>
+            <a:endParaRPr lang="en-US" b="1" dirty="0"/>
           </a:p>
           <a:p>
             <a:pPr>
@@ -7929,13 +7799,13 @@
               <a:buChar char="•"/>
             </a:pPr>
             <a:r>
-              <a:rPr lang="en-US">
+              <a:rPr lang="en-US" dirty="0">
                 <a:ea typeface="+mn-lt"/>
                 <a:cs typeface="+mn-lt"/>
               </a:rPr>
-              <a:t>Similar structure, but slightly wider temperature band (21–25°C).</a:t>
-            </a:r>
-            <a:endParaRPr lang="en-US"/>
+              <a:t>Similar structure, but slightly wider temperature band (25°C).</a:t>
+            </a:r>
+            <a:endParaRPr lang="en-US" dirty="0"/>
           </a:p>
           <a:p>
             <a:pPr>
@@ -7946,25 +7816,25 @@
               <a:buChar char="•"/>
             </a:pPr>
             <a:r>
-              <a:rPr lang="en-US">
+              <a:rPr lang="en-US" dirty="0">
                 <a:ea typeface="+mn-lt"/>
                 <a:cs typeface="+mn-lt"/>
               </a:rPr>
               <a:t>HVAC can be shed after Priority 1 zones during shortages.</a:t>
             </a:r>
-            <a:endParaRPr lang="en-US"/>
+            <a:endParaRPr lang="en-US" dirty="0"/>
           </a:p>
           <a:p>
             <a:pPr marL="0" indent="0">
               <a:buNone/>
             </a:pPr>
-            <a:endParaRPr lang="en-US" b="1"/>
+            <a:endParaRPr lang="en-US" b="1" dirty="0"/>
           </a:p>
           <a:p>
             <a:pPr marL="0" indent="0">
               <a:buNone/>
             </a:pPr>
-            <a:endParaRPr lang="en-US"/>
+            <a:endParaRPr lang="en-US" dirty="0"/>
           </a:p>
         </p:txBody>
       </p:sp>
@@ -7991,7 +7861,7 @@
           <a:p>
             <a:fld id="{9BADEB75-F52D-47FC-A763-77A7D81FD0B3}" type="datetime1">
               <a:rPr lang="en-US"/>
-              <a:t>8/24/2025</a:t>
+              <a:t>8/25/2025</a:t>
             </a:fld>
             <a:endParaRPr lang="en-US"/>
           </a:p>
@@ -8087,7 +7957,7 @@
             <a:pPr>
               <a:buNone/>
             </a:pPr>
-            <a:endParaRPr lang="en-US" b="1">
+            <a:endParaRPr lang="en-US" b="1" dirty="0">
               <a:ea typeface="+mn-lt"/>
               <a:cs typeface="+mn-lt"/>
             </a:endParaRPr>
@@ -8097,13 +7967,13 @@
               <a:buNone/>
             </a:pPr>
             <a:r>
-              <a:rPr lang="en-US" b="1">
+              <a:rPr lang="en-US" b="1" dirty="0">
                 <a:ea typeface="+mn-lt"/>
                 <a:cs typeface="+mn-lt"/>
               </a:rPr>
               <a:t>Priority 3 (General Wards)</a:t>
             </a:r>
-            <a:endParaRPr lang="en-US"/>
+            <a:endParaRPr lang="en-US" dirty="0"/>
           </a:p>
           <a:p>
             <a:pPr>
@@ -8114,13 +7984,13 @@
               <a:buChar char="•"/>
             </a:pPr>
             <a:r>
-              <a:rPr lang="en-US">
+              <a:rPr lang="en-US" dirty="0">
                 <a:ea typeface="+mn-lt"/>
                 <a:cs typeface="+mn-lt"/>
               </a:rPr>
-              <a:t>Same blocks but use even wider band (20–26°C).</a:t>
-            </a:r>
-            <a:endParaRPr lang="en-US"/>
+              <a:t>Same blocks but use even wider band (26°C).</a:t>
+            </a:r>
+            <a:endParaRPr lang="en-US" dirty="0"/>
           </a:p>
           <a:p>
             <a:pPr>
@@ -8131,26 +8001,26 @@
               <a:buChar char="•"/>
             </a:pPr>
             <a:r>
-              <a:rPr lang="en-US">
+              <a:rPr lang="en-US" dirty="0">
                 <a:ea typeface="+mn-lt"/>
                 <a:cs typeface="+mn-lt"/>
               </a:rPr>
               <a:t>Shedding happens before Priority 1 &amp; 2.</a:t>
             </a:r>
-            <a:endParaRPr lang="en-US"/>
+            <a:endParaRPr lang="en-US" dirty="0"/>
           </a:p>
           <a:p>
             <a:pPr>
               <a:buNone/>
             </a:pPr>
             <a:r>
-              <a:rPr lang="en-US" b="1">
+              <a:rPr lang="en-US" b="1" dirty="0">
                 <a:ea typeface="+mn-lt"/>
                 <a:cs typeface="+mn-lt"/>
               </a:rPr>
               <a:t>Priority 4 (Admin Offices)</a:t>
             </a:r>
-            <a:endParaRPr lang="en-US"/>
+            <a:endParaRPr lang="en-US" dirty="0"/>
           </a:p>
           <a:p>
             <a:pPr>
@@ -8161,13 +8031,12 @@
               <a:buChar char="•"/>
             </a:pPr>
             <a:r>
-              <a:rPr lang="en-US">
+              <a:rPr lang="en-US" dirty="0">
                 <a:ea typeface="+mn-lt"/>
                 <a:cs typeface="+mn-lt"/>
               </a:rPr>
-              <a:t>Exact same block setup, but HVAC should shut off first during power constraints.</a:t>
-            </a:r>
-            <a:endParaRPr lang="en-US"/>
+              <a:t>Exact same block setup.</a:t>
+            </a:r>
           </a:p>
           <a:p>
             <a:pPr>
@@ -8178,19 +8047,19 @@
               <a:buChar char="•"/>
             </a:pPr>
             <a:r>
-              <a:rPr lang="en-US">
+              <a:rPr lang="en-US" dirty="0">
                 <a:ea typeface="+mn-lt"/>
                 <a:cs typeface="+mn-lt"/>
               </a:rPr>
-              <a:t>Comfort range can be broad (18–28°C) since patient care isn’t directly affected.</a:t>
-            </a:r>
-            <a:endParaRPr lang="en-US"/>
+              <a:t>Comfort range can be broad (28°C) since patient care isn’t directly affected.</a:t>
+            </a:r>
+            <a:endParaRPr lang="en-US" dirty="0"/>
           </a:p>
           <a:p>
             <a:pPr marL="0" indent="0">
               <a:buNone/>
             </a:pPr>
-            <a:endParaRPr lang="en-US"/>
+            <a:endParaRPr lang="en-US" dirty="0"/>
           </a:p>
         </p:txBody>
       </p:sp>
@@ -8217,7 +8086,7 @@
           <a:p>
             <a:fld id="{C40828EE-E302-4C75-9424-A721F3261796}" type="datetime1">
               <a:rPr lang="en-US"/>
-              <a:t>8/24/2025</a:t>
+              <a:t>8/25/2025</a:t>
             </a:fld>
             <a:endParaRPr lang="en-US"/>
           </a:p>
@@ -8287,7 +8156,7 @@
           <p:cNvPr id="2" name="Title 1">
             <a:extLst>
               <a:ext uri="{FF2B5EF4-FFF2-40B4-BE49-F238E27FC236}">
-                <a16:creationId xmlns:a16="http://schemas.microsoft.com/office/drawing/2014/main" id="{2C03BCAB-F02C-40E6-8F2D-730B8C67135D}"/>
+                <a16:creationId xmlns:a16="http://schemas.microsoft.com/office/drawing/2014/main" id="{0FED8934-05BC-BE34-87BB-63F778703F7D}"/>
               </a:ext>
             </a:extLst>
           </p:cNvPr>
@@ -8304,9 +8173,61 @@
           <a:lstStyle/>
           <a:p>
             <a:r>
-              <a:rPr lang="en-US" dirty="0"/>
-              <a:t>RESULTS</a:t>
-            </a:r>
+              <a:rPr lang="en-IN" dirty="0"/>
+              <a:t>Room loads used</a:t>
+            </a:r>
+          </a:p>
+        </p:txBody>
+      </p:sp>
+      <p:sp>
+        <p:nvSpPr>
+          <p:cNvPr id="3" name="Content Placeholder 2">
+            <a:extLst>
+              <a:ext uri="{FF2B5EF4-FFF2-40B4-BE49-F238E27FC236}">
+                <a16:creationId xmlns:a16="http://schemas.microsoft.com/office/drawing/2014/main" id="{099BAB23-2A4B-402F-F22D-E8EC3ED3EE82}"/>
+              </a:ext>
+            </a:extLst>
+          </p:cNvPr>
+          <p:cNvSpPr>
+            <a:spLocks noGrp="1"/>
+          </p:cNvSpPr>
+          <p:nvPr>
+            <p:ph idx="1"/>
+          </p:nvPr>
+        </p:nvSpPr>
+        <p:spPr/>
+        <p:txBody>
+          <a:bodyPr/>
+          <a:lstStyle/>
+          <a:p>
+            <a:pPr algn="just"/>
+            <a:r>
+              <a:rPr lang="en-IN" dirty="0"/>
+              <a:t>ICU : P = 15000 W, QL = 7265 var, Qc = 0 (pf ≈ 0.90) &amp; Temp Gain - 60</a:t>
+            </a:r>
+          </a:p>
+          <a:p>
+            <a:pPr algn="just"/>
+            <a:r>
+              <a:rPr lang="en-IN" dirty="0"/>
+              <a:t>Emergency / Critical Care: P = 12000 W, QL = 5112 var, Qc = 0 (pf ≈ 0.92) &amp; Temp Gain - 50</a:t>
+            </a:r>
+          </a:p>
+          <a:p>
+            <a:pPr algn="just"/>
+            <a:r>
+              <a:rPr lang="en-IN" dirty="0"/>
+              <a:t>General Ward: P = 8000 W, QL = 2629 var, Qc = 0 (pf ≈ 0.95) &amp; Temp Gain - 40</a:t>
+            </a:r>
+          </a:p>
+          <a:p>
+            <a:pPr algn="just"/>
+            <a:r>
+              <a:rPr lang="en-IN" dirty="0"/>
+              <a:t>Admin / Offices: P = 5000 W, QL = 1015 var, Qc = 0 (pf ≈ 0.98) &amp; Temp Gain - 30</a:t>
+            </a:r>
+          </a:p>
+          <a:p>
             <a:endParaRPr lang="en-IN" dirty="0"/>
           </a:p>
         </p:txBody>
@@ -8316,7 +8237,7 @@
           <p:cNvPr id="4" name="Date Placeholder 3">
             <a:extLst>
               <a:ext uri="{FF2B5EF4-FFF2-40B4-BE49-F238E27FC236}">
-                <a16:creationId xmlns:a16="http://schemas.microsoft.com/office/drawing/2014/main" id="{5BD11226-EFD7-9CC4-D191-4B7BCA97444C}"/>
+                <a16:creationId xmlns:a16="http://schemas.microsoft.com/office/drawing/2014/main" id="{E69158D2-874D-9BAC-3F42-56458DD50908}"/>
               </a:ext>
             </a:extLst>
           </p:cNvPr>
@@ -8332,9 +8253,9 @@
           <a:bodyPr/>
           <a:lstStyle/>
           <a:p>
-            <a:fld id="{D6EA9557-827B-44E2-AA1B-5FC7AFD38880}" type="datetime1">
+            <a:fld id="{F793523F-36F1-46D6-BC98-63AA76B9D8C3}" type="datetime1">
               <a:rPr lang="en-US" smtClean="0"/>
-              <a:t>8/24/2025</a:t>
+              <a:t>8/25/2025</a:t>
             </a:fld>
             <a:endParaRPr lang="en-US"/>
           </a:p>
@@ -8345,7 +8266,7 @@
           <p:cNvPr id="5" name="Slide Number Placeholder 4">
             <a:extLst>
               <a:ext uri="{FF2B5EF4-FFF2-40B4-BE49-F238E27FC236}">
-                <a16:creationId xmlns:a16="http://schemas.microsoft.com/office/drawing/2014/main" id="{D80FB9DF-C72C-E946-45B2-A47D6E3F9C77}"/>
+                <a16:creationId xmlns:a16="http://schemas.microsoft.com/office/drawing/2014/main" id="{F901EF51-B0F9-3926-88F7-8B6357CAB663}"/>
               </a:ext>
             </a:extLst>
           </p:cNvPr>
@@ -8364,6 +8285,123 @@
             <a:fld id="{24578CCF-2EC4-44CB-A694-F6F6E59A3985}" type="slidenum">
               <a:rPr lang="en-US" smtClean="0"/>
               <a:t>15</a:t>
+            </a:fld>
+            <a:endParaRPr lang="en-US"/>
+          </a:p>
+        </p:txBody>
+      </p:sp>
+    </p:spTree>
+    <p:extLst>
+      <p:ext uri="{BB962C8B-B14F-4D97-AF65-F5344CB8AC3E}">
+        <p14:creationId xmlns:p14="http://schemas.microsoft.com/office/powerpoint/2010/main" val="1687638961"/>
+      </p:ext>
+    </p:extLst>
+  </p:cSld>
+  <p:clrMapOvr>
+    <a:masterClrMapping/>
+  </p:clrMapOvr>
+</p:sld>
+</file>
+
+<file path=ppt/slides/slide16.xml><?xml version="1.0" encoding="utf-8"?>
+<p:sld xmlns:a="http://schemas.openxmlformats.org/drawingml/2006/main" xmlns:r="http://schemas.openxmlformats.org/officeDocument/2006/relationships" xmlns:p="http://schemas.openxmlformats.org/presentationml/2006/main">
+  <p:cSld>
+    <p:spTree>
+      <p:nvGrpSpPr>
+        <p:cNvPr id="1" name=""/>
+        <p:cNvGrpSpPr/>
+        <p:nvPr/>
+      </p:nvGrpSpPr>
+      <p:grpSpPr>
+        <a:xfrm>
+          <a:off x="0" y="0"/>
+          <a:ext cx="0" cy="0"/>
+          <a:chOff x="0" y="0"/>
+          <a:chExt cx="0" cy="0"/>
+        </a:xfrm>
+      </p:grpSpPr>
+      <p:sp>
+        <p:nvSpPr>
+          <p:cNvPr id="2" name="Title 1">
+            <a:extLst>
+              <a:ext uri="{FF2B5EF4-FFF2-40B4-BE49-F238E27FC236}">
+                <a16:creationId xmlns:a16="http://schemas.microsoft.com/office/drawing/2014/main" id="{2C03BCAB-F02C-40E6-8F2D-730B8C67135D}"/>
+              </a:ext>
+            </a:extLst>
+          </p:cNvPr>
+          <p:cNvSpPr>
+            <a:spLocks noGrp="1"/>
+          </p:cNvSpPr>
+          <p:nvPr>
+            <p:ph type="title"/>
+          </p:nvPr>
+        </p:nvSpPr>
+        <p:spPr/>
+        <p:txBody>
+          <a:bodyPr/>
+          <a:lstStyle/>
+          <a:p>
+            <a:r>
+              <a:rPr lang="en-US" dirty="0"/>
+              <a:t>RESULTS - OVERALL</a:t>
+            </a:r>
+            <a:endParaRPr lang="en-IN" dirty="0"/>
+          </a:p>
+        </p:txBody>
+      </p:sp>
+      <p:sp>
+        <p:nvSpPr>
+          <p:cNvPr id="4" name="Date Placeholder 3">
+            <a:extLst>
+              <a:ext uri="{FF2B5EF4-FFF2-40B4-BE49-F238E27FC236}">
+                <a16:creationId xmlns:a16="http://schemas.microsoft.com/office/drawing/2014/main" id="{5BD11226-EFD7-9CC4-D191-4B7BCA97444C}"/>
+              </a:ext>
+            </a:extLst>
+          </p:cNvPr>
+          <p:cNvSpPr>
+            <a:spLocks noGrp="1"/>
+          </p:cNvSpPr>
+          <p:nvPr>
+            <p:ph type="dt" sz="half" idx="10"/>
+          </p:nvPr>
+        </p:nvSpPr>
+        <p:spPr/>
+        <p:txBody>
+          <a:bodyPr/>
+          <a:lstStyle/>
+          <a:p>
+            <a:fld id="{D6EA9557-827B-44E2-AA1B-5FC7AFD38880}" type="datetime1">
+              <a:rPr lang="en-US" smtClean="0"/>
+              <a:t>8/25/2025</a:t>
+            </a:fld>
+            <a:endParaRPr lang="en-US"/>
+          </a:p>
+        </p:txBody>
+      </p:sp>
+      <p:sp>
+        <p:nvSpPr>
+          <p:cNvPr id="5" name="Slide Number Placeholder 4">
+            <a:extLst>
+              <a:ext uri="{FF2B5EF4-FFF2-40B4-BE49-F238E27FC236}">
+                <a16:creationId xmlns:a16="http://schemas.microsoft.com/office/drawing/2014/main" id="{D80FB9DF-C72C-E946-45B2-A47D6E3F9C77}"/>
+              </a:ext>
+            </a:extLst>
+          </p:cNvPr>
+          <p:cNvSpPr>
+            <a:spLocks noGrp="1"/>
+          </p:cNvSpPr>
+          <p:nvPr>
+            <p:ph type="sldNum" sz="quarter" idx="12"/>
+          </p:nvPr>
+        </p:nvSpPr>
+        <p:spPr/>
+        <p:txBody>
+          <a:bodyPr/>
+          <a:lstStyle/>
+          <a:p>
+            <a:fld id="{24578CCF-2EC4-44CB-A694-F6F6E59A3985}" type="slidenum">
+              <a:rPr lang="en-US" smtClean="0"/>
+              <a:t>16</a:t>
             </a:fld>
             <a:endParaRPr lang="en-US"/>
           </a:p>
@@ -8483,148 +8521,6 @@
 </p:sld>
 </file>
 
-<file path=ppt/slides/slide16.xml><?xml version="1.0" encoding="utf-8"?>
-<p:sld xmlns:a="http://schemas.openxmlformats.org/drawingml/2006/main" xmlns:r="http://schemas.openxmlformats.org/officeDocument/2006/relationships" xmlns:p="http://schemas.openxmlformats.org/presentationml/2006/main">
-  <p:cSld>
-    <p:spTree>
-      <p:nvGrpSpPr>
-        <p:cNvPr id="1" name=""/>
-        <p:cNvGrpSpPr/>
-        <p:nvPr/>
-      </p:nvGrpSpPr>
-      <p:grpSpPr>
-        <a:xfrm>
-          <a:off x="0" y="0"/>
-          <a:ext cx="0" cy="0"/>
-          <a:chOff x="0" y="0"/>
-          <a:chExt cx="0" cy="0"/>
-        </a:xfrm>
-      </p:grpSpPr>
-      <p:sp>
-        <p:nvSpPr>
-          <p:cNvPr id="2" name="Title 1">
-            <a:extLst>
-              <a:ext uri="{FF2B5EF4-FFF2-40B4-BE49-F238E27FC236}">
-                <a16:creationId xmlns:a16="http://schemas.microsoft.com/office/drawing/2014/main" id="{974692B3-46E5-A88C-6EC3-FE30730697B5}"/>
-              </a:ext>
-            </a:extLst>
-          </p:cNvPr>
-          <p:cNvSpPr>
-            <a:spLocks noGrp="1"/>
-          </p:cNvSpPr>
-          <p:nvPr>
-            <p:ph type="title"/>
-          </p:nvPr>
-        </p:nvSpPr>
-        <p:spPr/>
-        <p:txBody>
-          <a:bodyPr/>
-          <a:lstStyle/>
-          <a:p>
-            <a:r>
-              <a:rPr lang="en-US" dirty="0"/>
-              <a:t>RESULTS</a:t>
-            </a:r>
-            <a:endParaRPr lang="en-IN" dirty="0"/>
-          </a:p>
-        </p:txBody>
-      </p:sp>
-      <p:sp>
-        <p:nvSpPr>
-          <p:cNvPr id="3" name="Content Placeholder 2">
-            <a:extLst>
-              <a:ext uri="{FF2B5EF4-FFF2-40B4-BE49-F238E27FC236}">
-                <a16:creationId xmlns:a16="http://schemas.microsoft.com/office/drawing/2014/main" id="{2DBBD487-E7ED-F08F-905D-FCA03041CC97}"/>
-              </a:ext>
-            </a:extLst>
-          </p:cNvPr>
-          <p:cNvSpPr>
-            <a:spLocks noGrp="1"/>
-          </p:cNvSpPr>
-          <p:nvPr>
-            <p:ph idx="1"/>
-          </p:nvPr>
-        </p:nvSpPr>
-        <p:spPr/>
-        <p:txBody>
-          <a:bodyPr/>
-          <a:lstStyle/>
-          <a:p>
-            <a:endParaRPr lang="en-IN" dirty="0"/>
-          </a:p>
-        </p:txBody>
-      </p:sp>
-      <p:sp>
-        <p:nvSpPr>
-          <p:cNvPr id="4" name="Date Placeholder 3">
-            <a:extLst>
-              <a:ext uri="{FF2B5EF4-FFF2-40B4-BE49-F238E27FC236}">
-                <a16:creationId xmlns:a16="http://schemas.microsoft.com/office/drawing/2014/main" id="{AFE57317-2F73-49D9-EB75-4DA3B76DFE70}"/>
-              </a:ext>
-            </a:extLst>
-          </p:cNvPr>
-          <p:cNvSpPr>
-            <a:spLocks noGrp="1"/>
-          </p:cNvSpPr>
-          <p:nvPr>
-            <p:ph type="dt" sz="half" idx="10"/>
-          </p:nvPr>
-        </p:nvSpPr>
-        <p:spPr/>
-        <p:txBody>
-          <a:bodyPr/>
-          <a:lstStyle/>
-          <a:p>
-            <a:fld id="{88F263AE-3A5E-4FAF-845E-8A3C4C88BB07}" type="datetime1">
-              <a:rPr lang="en-US" smtClean="0"/>
-              <a:t>8/24/2025</a:t>
-            </a:fld>
-            <a:endParaRPr lang="en-US"/>
-          </a:p>
-        </p:txBody>
-      </p:sp>
-      <p:sp>
-        <p:nvSpPr>
-          <p:cNvPr id="5" name="Slide Number Placeholder 4">
-            <a:extLst>
-              <a:ext uri="{FF2B5EF4-FFF2-40B4-BE49-F238E27FC236}">
-                <a16:creationId xmlns:a16="http://schemas.microsoft.com/office/drawing/2014/main" id="{C6DDEED4-E8B4-1383-4F1A-DE36D71E1C95}"/>
-              </a:ext>
-            </a:extLst>
-          </p:cNvPr>
-          <p:cNvSpPr>
-            <a:spLocks noGrp="1"/>
-          </p:cNvSpPr>
-          <p:nvPr>
-            <p:ph type="sldNum" sz="quarter" idx="12"/>
-          </p:nvPr>
-        </p:nvSpPr>
-        <p:spPr/>
-        <p:txBody>
-          <a:bodyPr/>
-          <a:lstStyle/>
-          <a:p>
-            <a:fld id="{24578CCF-2EC4-44CB-A694-F6F6E59A3985}" type="slidenum">
-              <a:rPr lang="en-US" smtClean="0"/>
-              <a:t>16</a:t>
-            </a:fld>
-            <a:endParaRPr lang="en-US"/>
-          </a:p>
-        </p:txBody>
-      </p:sp>
-    </p:spTree>
-    <p:extLst>
-      <p:ext uri="{BB962C8B-B14F-4D97-AF65-F5344CB8AC3E}">
-        <p14:creationId xmlns:p14="http://schemas.microsoft.com/office/powerpoint/2010/main" val="1639500180"/>
-      </p:ext>
-    </p:extLst>
-  </p:cSld>
-  <p:clrMapOvr>
-    <a:masterClrMapping/>
-  </p:clrMapOvr>
-</p:sld>
-</file>
-
 <file path=ppt/slides/slide17.xml><?xml version="1.0" encoding="utf-8"?>
 <p:sld xmlns:a="http://schemas.openxmlformats.org/drawingml/2006/main" xmlns:r="http://schemas.openxmlformats.org/officeDocument/2006/relationships" xmlns:p="http://schemas.openxmlformats.org/presentationml/2006/main">
   <p:cSld>
@@ -8647,7 +8543,7 @@
           <p:cNvPr id="2" name="Title 1">
             <a:extLst>
               <a:ext uri="{FF2B5EF4-FFF2-40B4-BE49-F238E27FC236}">
-                <a16:creationId xmlns:a16="http://schemas.microsoft.com/office/drawing/2014/main" id="{44AA4C33-2648-1591-1E18-7EDA2A9E105F}"/>
+                <a16:creationId xmlns:a16="http://schemas.microsoft.com/office/drawing/2014/main" id="{974692B3-46E5-A88C-6EC3-FE30730697B5}"/>
               </a:ext>
             </a:extLst>
           </p:cNvPr>
@@ -8658,448 +8554,86 @@
             <p:ph type="title"/>
           </p:nvPr>
         </p:nvSpPr>
+        <p:spPr/>
+        <p:txBody>
+          <a:bodyPr/>
+          <a:lstStyle/>
+          <a:p>
+            <a:r>
+              <a:rPr lang="en-US" dirty="0"/>
+              <a:t>RESULTS - ROOMS</a:t>
+            </a:r>
+            <a:endParaRPr lang="en-IN" dirty="0"/>
+          </a:p>
+        </p:txBody>
+      </p:sp>
+      <p:pic>
+        <p:nvPicPr>
+          <p:cNvPr id="7" name="Content Placeholder 6">
+            <a:extLst>
+              <a:ext uri="{FF2B5EF4-FFF2-40B4-BE49-F238E27FC236}">
+                <a16:creationId xmlns:a16="http://schemas.microsoft.com/office/drawing/2014/main" id="{ED974F8A-D4FF-15EC-6D0F-F4C4C109D1DC}"/>
+              </a:ext>
+            </a:extLst>
+          </p:cNvPr>
+          <p:cNvPicPr>
+            <a:picLocks noGrp="1" noChangeAspect="1"/>
+          </p:cNvPicPr>
+          <p:nvPr>
+            <p:ph idx="1"/>
+          </p:nvPr>
+        </p:nvPicPr>
+        <p:blipFill>
+          <a:blip r:embed="rId2"/>
+          <a:stretch>
+            <a:fillRect/>
+          </a:stretch>
+        </p:blipFill>
         <p:spPr>
           <a:xfrm>
-            <a:off x="1069848" y="390861"/>
-            <a:ext cx="9634011" cy="1325563"/>
+            <a:off x="827685" y="1901586"/>
+            <a:ext cx="4924186" cy="3237874"/>
           </a:xfrm>
+          <a:prstGeom prst="rect">
+            <a:avLst/>
+          </a:prstGeom>
         </p:spPr>
+      </p:pic>
+      <p:sp>
+        <p:nvSpPr>
+          <p:cNvPr id="4" name="Date Placeholder 3">
+            <a:extLst>
+              <a:ext uri="{FF2B5EF4-FFF2-40B4-BE49-F238E27FC236}">
+                <a16:creationId xmlns:a16="http://schemas.microsoft.com/office/drawing/2014/main" id="{AFE57317-2F73-49D9-EB75-4DA3B76DFE70}"/>
+              </a:ext>
+            </a:extLst>
+          </p:cNvPr>
+          <p:cNvSpPr>
+            <a:spLocks noGrp="1"/>
+          </p:cNvSpPr>
+          <p:nvPr>
+            <p:ph type="dt" sz="half" idx="10"/>
+          </p:nvPr>
+        </p:nvSpPr>
+        <p:spPr/>
         <p:txBody>
           <a:bodyPr/>
           <a:lstStyle/>
           <a:p>
-            <a:r>
-              <a:rPr lang="en-US"/>
-              <a:t>References</a:t>
-            </a:r>
-          </a:p>
-        </p:txBody>
-      </p:sp>
-      <p:sp>
-        <p:nvSpPr>
-          <p:cNvPr id="3" name="Content Placeholder 2">
-            <a:extLst>
-              <a:ext uri="{FF2B5EF4-FFF2-40B4-BE49-F238E27FC236}">
-                <a16:creationId xmlns:a16="http://schemas.microsoft.com/office/drawing/2014/main" id="{B3D786E8-8392-B3AA-B6DF-2C2BBDC91AA4}"/>
-              </a:ext>
-            </a:extLst>
-          </p:cNvPr>
-          <p:cNvSpPr>
-            <a:spLocks noGrp="1"/>
-          </p:cNvSpPr>
-          <p:nvPr>
-            <p:ph idx="1"/>
-          </p:nvPr>
-        </p:nvSpPr>
-        <p:spPr>
-          <a:xfrm>
-            <a:off x="838200" y="1197918"/>
-            <a:ext cx="10163771" cy="5270220"/>
-          </a:xfrm>
-        </p:spPr>
-        <p:txBody>
-          <a:bodyPr vert="horz" lIns="91440" tIns="45720" rIns="91440" bIns="45720" rtlCol="0" anchor="t">
-            <a:noAutofit/>
-          </a:bodyPr>
-          <a:lstStyle/>
-          <a:p>
-            <a:pPr marL="0" indent="0">
-              <a:buNone/>
-            </a:pPr>
-            <a:endParaRPr lang="en-US" sz="600">
-              <a:solidFill>
-                <a:srgbClr val="333333"/>
-              </a:solidFill>
-              <a:ea typeface="+mn-lt"/>
-              <a:cs typeface="+mn-lt"/>
-            </a:endParaRPr>
-          </a:p>
-          <a:p>
-            <a:r>
-              <a:rPr lang="en-US" sz="1100">
-                <a:solidFill>
-                  <a:srgbClr val="333333"/>
-                </a:solidFill>
-                <a:ea typeface="+mn-lt"/>
-                <a:cs typeface="+mn-lt"/>
-              </a:rPr>
-              <a:t>H. </a:t>
-            </a:r>
-            <a:r>
-              <a:rPr lang="en-US" sz="1100" err="1">
-                <a:solidFill>
-                  <a:srgbClr val="333333"/>
-                </a:solidFill>
-                <a:ea typeface="+mn-lt"/>
-                <a:cs typeface="+mn-lt"/>
-              </a:rPr>
-              <a:t>Agharazi</a:t>
-            </a:r>
-            <a:r>
-              <a:rPr lang="en-US" sz="1100">
-                <a:solidFill>
-                  <a:srgbClr val="333333"/>
-                </a:solidFill>
-                <a:ea typeface="+mn-lt"/>
-                <a:cs typeface="+mn-lt"/>
-              </a:rPr>
-              <a:t> </a:t>
-            </a:r>
-            <a:r>
-              <a:rPr lang="en-US" sz="1100" i="1">
-                <a:solidFill>
-                  <a:srgbClr val="333333"/>
-                </a:solidFill>
-                <a:ea typeface="+mn-lt"/>
-                <a:cs typeface="+mn-lt"/>
-              </a:rPr>
-              <a:t>et al</a:t>
-            </a:r>
-            <a:r>
-              <a:rPr lang="en-US" sz="1100">
-                <a:solidFill>
-                  <a:srgbClr val="333333"/>
-                </a:solidFill>
-                <a:ea typeface="+mn-lt"/>
-                <a:cs typeface="+mn-lt"/>
-              </a:rPr>
-              <a:t>., "Installation and Testing of a Two-Level Model Predictive Control Building Energy Management System," in </a:t>
-            </a:r>
-            <a:r>
-              <a:rPr lang="en-US" sz="1100" i="1">
-                <a:solidFill>
-                  <a:srgbClr val="333333"/>
-                </a:solidFill>
-                <a:ea typeface="+mn-lt"/>
-                <a:cs typeface="+mn-lt"/>
-              </a:rPr>
-              <a:t>IEEE Transactions on Control Systems Technology</a:t>
-            </a:r>
-            <a:r>
-              <a:rPr lang="en-US" sz="1100">
-                <a:solidFill>
-                  <a:srgbClr val="333333"/>
-                </a:solidFill>
-                <a:ea typeface="+mn-lt"/>
-                <a:cs typeface="+mn-lt"/>
-              </a:rPr>
-              <a:t>, vol. 32, no. 2, pp. 326-339, March 2024</a:t>
-            </a:r>
-          </a:p>
-          <a:p>
-            <a:r>
-              <a:rPr lang="en-US" sz="1100">
-                <a:solidFill>
-                  <a:srgbClr val="333333"/>
-                </a:solidFill>
-                <a:ea typeface="+mn-lt"/>
-                <a:cs typeface="+mn-lt"/>
-              </a:rPr>
-              <a:t>W. Cai, S. Sawant, D. Reinhardt, S. </a:t>
-            </a:r>
-            <a:r>
-              <a:rPr lang="en-US" sz="1100" err="1">
-                <a:solidFill>
-                  <a:srgbClr val="333333"/>
-                </a:solidFill>
-                <a:ea typeface="+mn-lt"/>
-                <a:cs typeface="+mn-lt"/>
-              </a:rPr>
-              <a:t>Rastegarpour</a:t>
-            </a:r>
-            <a:r>
-              <a:rPr lang="en-US" sz="1100">
-                <a:solidFill>
-                  <a:srgbClr val="333333"/>
-                </a:solidFill>
-                <a:ea typeface="+mn-lt"/>
-                <a:cs typeface="+mn-lt"/>
-              </a:rPr>
-              <a:t> and S. Gros, "A Learning-Based Model Predictive Control Strategy for Home Energy Management Systems," in </a:t>
-            </a:r>
-            <a:r>
-              <a:rPr lang="en-US" sz="1100" i="1">
-                <a:solidFill>
-                  <a:srgbClr val="333333"/>
-                </a:solidFill>
-                <a:ea typeface="+mn-lt"/>
-                <a:cs typeface="+mn-lt"/>
-              </a:rPr>
-              <a:t>IEEE Access</a:t>
-            </a:r>
-            <a:r>
-              <a:rPr lang="en-US" sz="1100">
-                <a:solidFill>
-                  <a:srgbClr val="333333"/>
-                </a:solidFill>
-                <a:ea typeface="+mn-lt"/>
-                <a:cs typeface="+mn-lt"/>
-              </a:rPr>
-              <a:t>, vol. 11, pp. 145264-145280, 2023</a:t>
-            </a:r>
-            <a:endParaRPr lang="en-US" sz="1100"/>
-          </a:p>
-          <a:p>
-            <a:r>
-              <a:rPr lang="en-US" sz="1100">
-                <a:solidFill>
-                  <a:srgbClr val="333333"/>
-                </a:solidFill>
-                <a:ea typeface="+mn-lt"/>
-                <a:cs typeface="+mn-lt"/>
-              </a:rPr>
-              <a:t>S. S. Tohidi, D. Calì and H. Madsen, "Adaptive Model Predictive Controller for Building Thermal Dynamics," in </a:t>
-            </a:r>
-            <a:r>
-              <a:rPr lang="en-US" sz="1100" i="1">
-                <a:solidFill>
-                  <a:srgbClr val="333333"/>
-                </a:solidFill>
-                <a:ea typeface="+mn-lt"/>
-                <a:cs typeface="+mn-lt"/>
-              </a:rPr>
-              <a:t>IEEE Control Systems Letters</a:t>
-            </a:r>
-            <a:r>
-              <a:rPr lang="en-US" sz="1100">
-                <a:solidFill>
-                  <a:srgbClr val="333333"/>
-                </a:solidFill>
-                <a:ea typeface="+mn-lt"/>
-                <a:cs typeface="+mn-lt"/>
-              </a:rPr>
-              <a:t>, vol. 8, pp. 1325-1330, 2024</a:t>
-            </a:r>
-            <a:endParaRPr lang="en-US" sz="1100"/>
-          </a:p>
-          <a:p>
-            <a:r>
-              <a:rPr lang="en-US" sz="1100">
-                <a:solidFill>
-                  <a:srgbClr val="333333"/>
-                </a:solidFill>
-                <a:ea typeface="+mn-lt"/>
-                <a:cs typeface="+mn-lt"/>
-              </a:rPr>
-              <a:t>B. He, N. Zhang, C. Fang, Y. Su and Y. Wang, "Flexible Building Energy Management With Neural ODEs-Based Model Predictive Control," in </a:t>
-            </a:r>
-            <a:r>
-              <a:rPr lang="en-US" sz="1100" i="1">
-                <a:solidFill>
-                  <a:srgbClr val="333333"/>
-                </a:solidFill>
-                <a:ea typeface="+mn-lt"/>
-                <a:cs typeface="+mn-lt"/>
-              </a:rPr>
-              <a:t>IEEE Transactions on Smart Grid</a:t>
-            </a:r>
-            <a:r>
-              <a:rPr lang="en-US" sz="1100">
-                <a:solidFill>
-                  <a:srgbClr val="333333"/>
-                </a:solidFill>
-                <a:ea typeface="+mn-lt"/>
-                <a:cs typeface="+mn-lt"/>
-              </a:rPr>
-              <a:t>, vol. 15, no. 5, pp. 4690-4704, Sept. 2024</a:t>
-            </a:r>
-          </a:p>
-          <a:p>
-            <a:r>
-              <a:rPr lang="en-US" sz="1100">
-                <a:solidFill>
-                  <a:srgbClr val="333333"/>
-                </a:solidFill>
-                <a:ea typeface="+mn-lt"/>
-                <a:cs typeface="+mn-lt"/>
-              </a:rPr>
-              <a:t>H. Li, J. Xu and Q. Zhao, "Priority-Based Energy Allocation in Buildings Through Distributed Model Predictive Control," in </a:t>
-            </a:r>
-            <a:r>
-              <a:rPr lang="en-US" sz="1100" i="1">
-                <a:solidFill>
-                  <a:srgbClr val="333333"/>
-                </a:solidFill>
-                <a:ea typeface="+mn-lt"/>
-                <a:cs typeface="+mn-lt"/>
-              </a:rPr>
-              <a:t>IEEE Transactions on Automation Science and Engineering</a:t>
-            </a:r>
-            <a:r>
-              <a:rPr lang="en-US" sz="1100">
-                <a:solidFill>
-                  <a:srgbClr val="333333"/>
-                </a:solidFill>
-                <a:ea typeface="+mn-lt"/>
-                <a:cs typeface="+mn-lt"/>
-              </a:rPr>
-              <a:t>, vol. 22, pp. 7516-7529, 2025</a:t>
-            </a:r>
-          </a:p>
-          <a:p>
-            <a:r>
-              <a:rPr lang="en-US" sz="1100">
-                <a:solidFill>
-                  <a:srgbClr val="333333"/>
-                </a:solidFill>
-                <a:ea typeface="+mn-lt"/>
-                <a:cs typeface="+mn-lt"/>
-              </a:rPr>
-              <a:t>B. K. </a:t>
-            </a:r>
-            <a:r>
-              <a:rPr lang="en-US" sz="1100" err="1">
-                <a:solidFill>
-                  <a:srgbClr val="333333"/>
-                </a:solidFill>
-                <a:ea typeface="+mn-lt"/>
-                <a:cs typeface="+mn-lt"/>
-              </a:rPr>
-              <a:t>Oleiwi</a:t>
-            </a:r>
-            <a:r>
-              <a:rPr lang="en-US" sz="1100">
-                <a:solidFill>
-                  <a:srgbClr val="333333"/>
-                </a:solidFill>
-                <a:ea typeface="+mn-lt"/>
-                <a:cs typeface="+mn-lt"/>
-              </a:rPr>
-              <a:t> and A. H. Sabry, "Controlling a House’s Air-Conditioning Using Nonlinear Model Predictive Control," in </a:t>
-            </a:r>
-            <a:r>
-              <a:rPr lang="en-US" sz="1100" i="1">
-                <a:solidFill>
-                  <a:srgbClr val="333333"/>
-                </a:solidFill>
-                <a:ea typeface="+mn-lt"/>
-                <a:cs typeface="+mn-lt"/>
-              </a:rPr>
-              <a:t>IEEE Embedded Systems Letters</a:t>
-            </a:r>
-            <a:r>
-              <a:rPr lang="en-US" sz="1100">
-                <a:solidFill>
-                  <a:srgbClr val="333333"/>
-                </a:solidFill>
-                <a:ea typeface="+mn-lt"/>
-                <a:cs typeface="+mn-lt"/>
-              </a:rPr>
-              <a:t>, vol. 16, no. 2, pp. 239-242, June 2024</a:t>
-            </a:r>
-          </a:p>
-          <a:p>
-            <a:r>
-              <a:rPr lang="en-US" sz="1100">
-                <a:solidFill>
-                  <a:srgbClr val="333333"/>
-                </a:solidFill>
-                <a:ea typeface="+mn-lt"/>
-                <a:cs typeface="+mn-lt"/>
-              </a:rPr>
-              <a:t>G. Mantovani and L. Ferrarini, "Temperature Control of a Commercial Building With Model Predictive Control Techniques," in </a:t>
-            </a:r>
-            <a:r>
-              <a:rPr lang="en-US" sz="1100" i="1">
-                <a:solidFill>
-                  <a:srgbClr val="333333"/>
-                </a:solidFill>
-                <a:ea typeface="+mn-lt"/>
-                <a:cs typeface="+mn-lt"/>
-              </a:rPr>
-              <a:t>IEEE Transactions on Industrial Electronics</a:t>
-            </a:r>
-            <a:r>
-              <a:rPr lang="en-US" sz="1100">
-                <a:solidFill>
-                  <a:srgbClr val="333333"/>
-                </a:solidFill>
-                <a:ea typeface="+mn-lt"/>
-                <a:cs typeface="+mn-lt"/>
-              </a:rPr>
-              <a:t>, vol. 62, no. 4, pp. 2651-2660, April 2015</a:t>
-            </a:r>
-          </a:p>
-          <a:p>
-            <a:r>
-              <a:rPr lang="en-US" sz="1100">
-                <a:solidFill>
-                  <a:srgbClr val="333333"/>
-                </a:solidFill>
-                <a:ea typeface="+mn-lt"/>
-                <a:cs typeface="+mn-lt"/>
-              </a:rPr>
-              <a:t>A. Martinčević and M. </a:t>
-            </a:r>
-            <a:r>
-              <a:rPr lang="en-US" sz="1100" err="1">
-                <a:solidFill>
-                  <a:srgbClr val="333333"/>
-                </a:solidFill>
-                <a:ea typeface="+mn-lt"/>
-                <a:cs typeface="+mn-lt"/>
-              </a:rPr>
-              <a:t>Vašak</a:t>
-            </a:r>
-            <a:r>
-              <a:rPr lang="en-US" sz="1100">
-                <a:solidFill>
-                  <a:srgbClr val="333333"/>
-                </a:solidFill>
-                <a:ea typeface="+mn-lt"/>
-                <a:cs typeface="+mn-lt"/>
-              </a:rPr>
-              <a:t>, "Constrained Kalman Filter for Identification of </a:t>
-            </a:r>
-            <a:r>
-              <a:rPr lang="en-US" sz="1100" err="1">
-                <a:solidFill>
-                  <a:srgbClr val="333333"/>
-                </a:solidFill>
-                <a:ea typeface="+mn-lt"/>
-                <a:cs typeface="+mn-lt"/>
-              </a:rPr>
-              <a:t>Semiphysical</a:t>
-            </a:r>
-            <a:r>
-              <a:rPr lang="en-US" sz="1100">
-                <a:solidFill>
-                  <a:srgbClr val="333333"/>
-                </a:solidFill>
-                <a:ea typeface="+mn-lt"/>
-                <a:cs typeface="+mn-lt"/>
-              </a:rPr>
-              <a:t> Building Thermal Models," in </a:t>
-            </a:r>
-            <a:r>
-              <a:rPr lang="en-US" sz="1100" i="1">
-                <a:solidFill>
-                  <a:srgbClr val="333333"/>
-                </a:solidFill>
-                <a:ea typeface="+mn-lt"/>
-                <a:cs typeface="+mn-lt"/>
-              </a:rPr>
-              <a:t>IEEE Transactions on Control Systems Technology</a:t>
-            </a:r>
-            <a:r>
-              <a:rPr lang="en-US" sz="1100">
-                <a:solidFill>
-                  <a:srgbClr val="333333"/>
-                </a:solidFill>
-                <a:ea typeface="+mn-lt"/>
-                <a:cs typeface="+mn-lt"/>
-              </a:rPr>
-              <a:t>, vol. 28, no. 6, pp. 2697-2704, Nov. 2020</a:t>
-            </a:r>
-          </a:p>
-        </p:txBody>
-      </p:sp>
-      <p:sp>
-        <p:nvSpPr>
-          <p:cNvPr id="4" name="Slide Number Placeholder 3">
-            <a:extLst>
-              <a:ext uri="{FF2B5EF4-FFF2-40B4-BE49-F238E27FC236}">
-                <a16:creationId xmlns:a16="http://schemas.microsoft.com/office/drawing/2014/main" id="{E2B5FDB2-398A-EE61-E50C-4C16A7B120D7}"/>
+            <a:fld id="{88F263AE-3A5E-4FAF-845E-8A3C4C88BB07}" type="datetime1">
+              <a:rPr lang="en-US" smtClean="0"/>
+              <a:t>8/25/2025</a:t>
+            </a:fld>
+            <a:endParaRPr lang="en-US"/>
+          </a:p>
+        </p:txBody>
+      </p:sp>
+      <p:sp>
+        <p:nvSpPr>
+          <p:cNvPr id="5" name="Slide Number Placeholder 4">
+            <a:extLst>
+              <a:ext uri="{FF2B5EF4-FFF2-40B4-BE49-F238E27FC236}">
+                <a16:creationId xmlns:a16="http://schemas.microsoft.com/office/drawing/2014/main" id="{C6DDEED4-E8B4-1383-4F1A-DE36D71E1C95}"/>
               </a:ext>
             </a:extLst>
           </p:cNvPr>
@@ -9116,17 +8650,480 @@
           <a:lstStyle/>
           <a:p>
             <a:fld id="{24578CCF-2EC4-44CB-A694-F6F6E59A3985}" type="slidenum">
-              <a:rPr lang="en-US" dirty="0"/>
+              <a:rPr lang="en-US" smtClean="0"/>
               <a:t>17</a:t>
             </a:fld>
             <a:endParaRPr lang="en-US"/>
           </a:p>
         </p:txBody>
       </p:sp>
+      <p:pic>
+        <p:nvPicPr>
+          <p:cNvPr id="9" name="Picture 8">
+            <a:extLst>
+              <a:ext uri="{FF2B5EF4-FFF2-40B4-BE49-F238E27FC236}">
+                <a16:creationId xmlns:a16="http://schemas.microsoft.com/office/drawing/2014/main" id="{C1D2BFE6-D873-23C5-F040-E7522B40C3F6}"/>
+              </a:ext>
+            </a:extLst>
+          </p:cNvPr>
+          <p:cNvPicPr>
+            <a:picLocks noChangeAspect="1"/>
+          </p:cNvPicPr>
+          <p:nvPr/>
+        </p:nvPicPr>
+        <p:blipFill>
+          <a:blip r:embed="rId3"/>
+          <a:stretch>
+            <a:fillRect/>
+          </a:stretch>
+        </p:blipFill>
+        <p:spPr>
+          <a:xfrm>
+            <a:off x="5751871" y="1974689"/>
+            <a:ext cx="4608427" cy="3091668"/>
+          </a:xfrm>
+          <a:prstGeom prst="rect">
+            <a:avLst/>
+          </a:prstGeom>
+        </p:spPr>
+      </p:pic>
+      <p:sp>
+        <p:nvSpPr>
+          <p:cNvPr id="6" name="TextBox 5">
+            <a:extLst>
+              <a:ext uri="{FF2B5EF4-FFF2-40B4-BE49-F238E27FC236}">
+                <a16:creationId xmlns:a16="http://schemas.microsoft.com/office/drawing/2014/main" id="{B3068278-84D8-38B3-AE54-337DE4542D7E}"/>
+              </a:ext>
+            </a:extLst>
+          </p:cNvPr>
+          <p:cNvSpPr txBox="1"/>
+          <p:nvPr/>
+        </p:nvSpPr>
+        <p:spPr>
+          <a:xfrm>
+            <a:off x="1069848" y="5576320"/>
+            <a:ext cx="9634011" cy="369332"/>
+          </a:xfrm>
+          <a:prstGeom prst="rect">
+            <a:avLst/>
+          </a:prstGeom>
+          <a:noFill/>
+        </p:spPr>
+        <p:txBody>
+          <a:bodyPr wrap="square">
+            <a:spAutoFit/>
+          </a:bodyPr>
+          <a:lstStyle/>
+          <a:p>
+            <a:r>
+              <a:rPr lang="en-IN" dirty="0"/>
+              <a:t>                             ICU ROOM                                                                 ADMIN ROOM</a:t>
+            </a:r>
+          </a:p>
+        </p:txBody>
+      </p:sp>
     </p:spTree>
     <p:extLst>
       <p:ext uri="{BB962C8B-B14F-4D97-AF65-F5344CB8AC3E}">
-        <p14:creationId xmlns:p14="http://schemas.microsoft.com/office/powerpoint/2010/main" val="1957569309"/>
+        <p14:creationId xmlns:p14="http://schemas.microsoft.com/office/powerpoint/2010/main" val="1639500180"/>
+      </p:ext>
+    </p:extLst>
+  </p:cSld>
+  <p:clrMapOvr>
+    <a:masterClrMapping/>
+  </p:clrMapOvr>
+</p:sld>
+</file>
+
+<file path=ppt/slides/slide18.xml><?xml version="1.0" encoding="utf-8"?>
+<p:sld xmlns:a="http://schemas.openxmlformats.org/drawingml/2006/main" xmlns:r="http://schemas.openxmlformats.org/officeDocument/2006/relationships" xmlns:p="http://schemas.openxmlformats.org/presentationml/2006/main">
+  <p:cSld>
+    <p:spTree>
+      <p:nvGrpSpPr>
+        <p:cNvPr id="1" name=""/>
+        <p:cNvGrpSpPr/>
+        <p:nvPr/>
+      </p:nvGrpSpPr>
+      <p:grpSpPr>
+        <a:xfrm>
+          <a:off x="0" y="0"/>
+          <a:ext cx="0" cy="0"/>
+          <a:chOff x="0" y="0"/>
+          <a:chExt cx="0" cy="0"/>
+        </a:xfrm>
+      </p:grpSpPr>
+      <p:sp>
+        <p:nvSpPr>
+          <p:cNvPr id="2" name="Title 1">
+            <a:extLst>
+              <a:ext uri="{FF2B5EF4-FFF2-40B4-BE49-F238E27FC236}">
+                <a16:creationId xmlns:a16="http://schemas.microsoft.com/office/drawing/2014/main" id="{1E6DC080-5131-9634-CC90-A957E0F36839}"/>
+              </a:ext>
+            </a:extLst>
+          </p:cNvPr>
+          <p:cNvSpPr>
+            <a:spLocks noGrp="1"/>
+          </p:cNvSpPr>
+          <p:nvPr>
+            <p:ph type="title"/>
+          </p:nvPr>
+        </p:nvSpPr>
+        <p:spPr/>
+        <p:txBody>
+          <a:bodyPr/>
+          <a:lstStyle/>
+          <a:p>
+            <a:r>
+              <a:rPr lang="en-US" dirty="0"/>
+              <a:t>RESULTS - ROOMS</a:t>
+            </a:r>
+            <a:endParaRPr lang="en-IN" dirty="0"/>
+          </a:p>
+        </p:txBody>
+      </p:sp>
+      <p:pic>
+        <p:nvPicPr>
+          <p:cNvPr id="7" name="Content Placeholder 6">
+            <a:extLst>
+              <a:ext uri="{FF2B5EF4-FFF2-40B4-BE49-F238E27FC236}">
+                <a16:creationId xmlns:a16="http://schemas.microsoft.com/office/drawing/2014/main" id="{F3B6CAC5-41C1-B4B8-DDC8-C13078DE9F1F}"/>
+              </a:ext>
+            </a:extLst>
+          </p:cNvPr>
+          <p:cNvPicPr>
+            <a:picLocks noGrp="1" noChangeAspect="1"/>
+          </p:cNvPicPr>
+          <p:nvPr>
+            <p:ph idx="1"/>
+          </p:nvPr>
+        </p:nvPicPr>
+        <p:blipFill>
+          <a:blip r:embed="rId2"/>
+          <a:stretch>
+            <a:fillRect/>
+          </a:stretch>
+        </p:blipFill>
+        <p:spPr>
+          <a:xfrm>
+            <a:off x="1138930" y="1875186"/>
+            <a:ext cx="4504788" cy="3702262"/>
+          </a:xfrm>
+          <a:prstGeom prst="rect">
+            <a:avLst/>
+          </a:prstGeom>
+        </p:spPr>
+      </p:pic>
+      <p:sp>
+        <p:nvSpPr>
+          <p:cNvPr id="4" name="Date Placeholder 3">
+            <a:extLst>
+              <a:ext uri="{FF2B5EF4-FFF2-40B4-BE49-F238E27FC236}">
+                <a16:creationId xmlns:a16="http://schemas.microsoft.com/office/drawing/2014/main" id="{8E93F9FF-C873-6A34-B34A-8BDE2A2C9C31}"/>
+              </a:ext>
+            </a:extLst>
+          </p:cNvPr>
+          <p:cNvSpPr>
+            <a:spLocks noGrp="1"/>
+          </p:cNvSpPr>
+          <p:nvPr>
+            <p:ph type="dt" sz="half" idx="10"/>
+          </p:nvPr>
+        </p:nvSpPr>
+        <p:spPr/>
+        <p:txBody>
+          <a:bodyPr/>
+          <a:lstStyle/>
+          <a:p>
+            <a:fld id="{F7D8749D-56AD-4DBB-BF6E-D22FF824D252}" type="datetime1">
+              <a:rPr lang="en-US" smtClean="0"/>
+              <a:t>8/25/2025</a:t>
+            </a:fld>
+            <a:endParaRPr lang="en-US"/>
+          </a:p>
+        </p:txBody>
+      </p:sp>
+      <p:sp>
+        <p:nvSpPr>
+          <p:cNvPr id="5" name="Slide Number Placeholder 4">
+            <a:extLst>
+              <a:ext uri="{FF2B5EF4-FFF2-40B4-BE49-F238E27FC236}">
+                <a16:creationId xmlns:a16="http://schemas.microsoft.com/office/drawing/2014/main" id="{7DB65126-DDBC-5D7C-2AEA-9C08F44032F5}"/>
+              </a:ext>
+            </a:extLst>
+          </p:cNvPr>
+          <p:cNvSpPr>
+            <a:spLocks noGrp="1"/>
+          </p:cNvSpPr>
+          <p:nvPr>
+            <p:ph type="sldNum" sz="quarter" idx="12"/>
+          </p:nvPr>
+        </p:nvSpPr>
+        <p:spPr/>
+        <p:txBody>
+          <a:bodyPr/>
+          <a:lstStyle/>
+          <a:p>
+            <a:fld id="{24578CCF-2EC4-44CB-A694-F6F6E59A3985}" type="slidenum">
+              <a:rPr lang="en-US" smtClean="0"/>
+              <a:t>18</a:t>
+            </a:fld>
+            <a:endParaRPr lang="en-US"/>
+          </a:p>
+        </p:txBody>
+      </p:sp>
+      <p:pic>
+        <p:nvPicPr>
+          <p:cNvPr id="9" name="Picture 8">
+            <a:extLst>
+              <a:ext uri="{FF2B5EF4-FFF2-40B4-BE49-F238E27FC236}">
+                <a16:creationId xmlns:a16="http://schemas.microsoft.com/office/drawing/2014/main" id="{826540EA-8267-8EF8-E2DE-07218672F5A5}"/>
+              </a:ext>
+            </a:extLst>
+          </p:cNvPr>
+          <p:cNvPicPr>
+            <a:picLocks noChangeAspect="1"/>
+          </p:cNvPicPr>
+          <p:nvPr/>
+        </p:nvPicPr>
+        <p:blipFill>
+          <a:blip r:embed="rId3"/>
+          <a:stretch>
+            <a:fillRect/>
+          </a:stretch>
+        </p:blipFill>
+        <p:spPr>
+          <a:xfrm>
+            <a:off x="6096000" y="1828483"/>
+            <a:ext cx="5061077" cy="3907208"/>
+          </a:xfrm>
+          <a:prstGeom prst="rect">
+            <a:avLst/>
+          </a:prstGeom>
+        </p:spPr>
+      </p:pic>
+      <p:sp>
+        <p:nvSpPr>
+          <p:cNvPr id="6" name="TextBox 5">
+            <a:extLst>
+              <a:ext uri="{FF2B5EF4-FFF2-40B4-BE49-F238E27FC236}">
+                <a16:creationId xmlns:a16="http://schemas.microsoft.com/office/drawing/2014/main" id="{6B7DF1E9-50C8-F263-59E7-A69165D9D99C}"/>
+              </a:ext>
+            </a:extLst>
+          </p:cNvPr>
+          <p:cNvSpPr txBox="1"/>
+          <p:nvPr/>
+        </p:nvSpPr>
+        <p:spPr>
+          <a:xfrm>
+            <a:off x="2399071" y="5953557"/>
+            <a:ext cx="7777316" cy="369332"/>
+          </a:xfrm>
+          <a:prstGeom prst="rect">
+            <a:avLst/>
+          </a:prstGeom>
+          <a:noFill/>
+        </p:spPr>
+        <p:txBody>
+          <a:bodyPr wrap="square">
+            <a:spAutoFit/>
+          </a:bodyPr>
+          <a:lstStyle/>
+          <a:p>
+            <a:r>
+              <a:rPr lang="en-IN" dirty="0"/>
+              <a:t> GENERAL WARD                                                               EMERGENCY WARD</a:t>
+            </a:r>
+          </a:p>
+        </p:txBody>
+      </p:sp>
+    </p:spTree>
+    <p:extLst>
+      <p:ext uri="{BB962C8B-B14F-4D97-AF65-F5344CB8AC3E}">
+        <p14:creationId xmlns:p14="http://schemas.microsoft.com/office/powerpoint/2010/main" val="1916797501"/>
+      </p:ext>
+    </p:extLst>
+  </p:cSld>
+  <p:clrMapOvr>
+    <a:masterClrMapping/>
+  </p:clrMapOvr>
+</p:sld>
+</file>
+
+<file path=ppt/slides/slide19.xml><?xml version="1.0" encoding="utf-8"?>
+<p:sld xmlns:a="http://schemas.openxmlformats.org/drawingml/2006/main" xmlns:r="http://schemas.openxmlformats.org/officeDocument/2006/relationships" xmlns:p="http://schemas.openxmlformats.org/presentationml/2006/main">
+  <p:cSld>
+    <p:spTree>
+      <p:nvGrpSpPr>
+        <p:cNvPr id="1" name=""/>
+        <p:cNvGrpSpPr/>
+        <p:nvPr/>
+      </p:nvGrpSpPr>
+      <p:grpSpPr>
+        <a:xfrm>
+          <a:off x="0" y="0"/>
+          <a:ext cx="0" cy="0"/>
+          <a:chOff x="0" y="0"/>
+          <a:chExt cx="0" cy="0"/>
+        </a:xfrm>
+      </p:grpSpPr>
+      <p:sp>
+        <p:nvSpPr>
+          <p:cNvPr id="2" name="Title 1">
+            <a:extLst>
+              <a:ext uri="{FF2B5EF4-FFF2-40B4-BE49-F238E27FC236}">
+                <a16:creationId xmlns:a16="http://schemas.microsoft.com/office/drawing/2014/main" id="{A265973A-D979-56E2-CA3B-47443D2A42D2}"/>
+              </a:ext>
+            </a:extLst>
+          </p:cNvPr>
+          <p:cNvSpPr>
+            <a:spLocks noGrp="1"/>
+          </p:cNvSpPr>
+          <p:nvPr>
+            <p:ph type="title"/>
+          </p:nvPr>
+        </p:nvSpPr>
+        <p:spPr/>
+        <p:txBody>
+          <a:bodyPr/>
+          <a:lstStyle/>
+          <a:p>
+            <a:r>
+              <a:rPr lang="en-US" dirty="0"/>
+              <a:t>RESULTS - GRAPHS</a:t>
+            </a:r>
+            <a:endParaRPr lang="en-IN" dirty="0"/>
+          </a:p>
+        </p:txBody>
+      </p:sp>
+      <p:pic>
+        <p:nvPicPr>
+          <p:cNvPr id="7" name="Content Placeholder 6">
+            <a:extLst>
+              <a:ext uri="{FF2B5EF4-FFF2-40B4-BE49-F238E27FC236}">
+                <a16:creationId xmlns:a16="http://schemas.microsoft.com/office/drawing/2014/main" id="{57C55BB1-279A-BFC3-387D-EA80E9C50B8F}"/>
+              </a:ext>
+            </a:extLst>
+          </p:cNvPr>
+          <p:cNvPicPr>
+            <a:picLocks noGrp="1" noChangeAspect="1"/>
+          </p:cNvPicPr>
+          <p:nvPr>
+            <p:ph idx="1"/>
+          </p:nvPr>
+        </p:nvPicPr>
+        <p:blipFill>
+          <a:blip r:embed="rId2"/>
+          <a:stretch>
+            <a:fillRect/>
+          </a:stretch>
+        </p:blipFill>
+        <p:spPr>
+          <a:xfrm>
+            <a:off x="1069848" y="1627567"/>
+            <a:ext cx="9634538" cy="4059298"/>
+          </a:xfrm>
+          <a:prstGeom prst="rect">
+            <a:avLst/>
+          </a:prstGeom>
+        </p:spPr>
+      </p:pic>
+      <p:sp>
+        <p:nvSpPr>
+          <p:cNvPr id="4" name="Date Placeholder 3">
+            <a:extLst>
+              <a:ext uri="{FF2B5EF4-FFF2-40B4-BE49-F238E27FC236}">
+                <a16:creationId xmlns:a16="http://schemas.microsoft.com/office/drawing/2014/main" id="{2B75FA0F-C17B-1255-B84A-8DC743AB7648}"/>
+              </a:ext>
+            </a:extLst>
+          </p:cNvPr>
+          <p:cNvSpPr>
+            <a:spLocks noGrp="1"/>
+          </p:cNvSpPr>
+          <p:nvPr>
+            <p:ph type="dt" sz="half" idx="10"/>
+          </p:nvPr>
+        </p:nvSpPr>
+        <p:spPr/>
+        <p:txBody>
+          <a:bodyPr/>
+          <a:lstStyle/>
+          <a:p>
+            <a:fld id="{F6427BB8-64F2-400B-AFFF-30978B94A17E}" type="datetime1">
+              <a:rPr lang="en-US" smtClean="0"/>
+              <a:t>8/25/2025</a:t>
+            </a:fld>
+            <a:endParaRPr lang="en-US"/>
+          </a:p>
+        </p:txBody>
+      </p:sp>
+      <p:sp>
+        <p:nvSpPr>
+          <p:cNvPr id="5" name="Slide Number Placeholder 4">
+            <a:extLst>
+              <a:ext uri="{FF2B5EF4-FFF2-40B4-BE49-F238E27FC236}">
+                <a16:creationId xmlns:a16="http://schemas.microsoft.com/office/drawing/2014/main" id="{45762FEE-22C6-5DA1-C575-6D323E791EA1}"/>
+              </a:ext>
+            </a:extLst>
+          </p:cNvPr>
+          <p:cNvSpPr>
+            <a:spLocks noGrp="1"/>
+          </p:cNvSpPr>
+          <p:nvPr>
+            <p:ph type="sldNum" sz="quarter" idx="12"/>
+          </p:nvPr>
+        </p:nvSpPr>
+        <p:spPr/>
+        <p:txBody>
+          <a:bodyPr/>
+          <a:lstStyle/>
+          <a:p>
+            <a:fld id="{24578CCF-2EC4-44CB-A694-F6F6E59A3985}" type="slidenum">
+              <a:rPr lang="en-US" smtClean="0"/>
+              <a:t>19</a:t>
+            </a:fld>
+            <a:endParaRPr lang="en-US"/>
+          </a:p>
+        </p:txBody>
+      </p:sp>
+      <p:sp>
+        <p:nvSpPr>
+          <p:cNvPr id="6" name="TextBox 5">
+            <a:extLst>
+              <a:ext uri="{FF2B5EF4-FFF2-40B4-BE49-F238E27FC236}">
+                <a16:creationId xmlns:a16="http://schemas.microsoft.com/office/drawing/2014/main" id="{9150B353-4946-A653-A211-629673A9A81A}"/>
+              </a:ext>
+            </a:extLst>
+          </p:cNvPr>
+          <p:cNvSpPr txBox="1"/>
+          <p:nvPr/>
+        </p:nvSpPr>
+        <p:spPr>
+          <a:xfrm>
+            <a:off x="2649582" y="5850022"/>
+            <a:ext cx="6474542" cy="369332"/>
+          </a:xfrm>
+          <a:prstGeom prst="rect">
+            <a:avLst/>
+          </a:prstGeom>
+          <a:noFill/>
+        </p:spPr>
+        <p:txBody>
+          <a:bodyPr wrap="square">
+            <a:spAutoFit/>
+          </a:bodyPr>
+          <a:lstStyle/>
+          <a:p>
+            <a:r>
+              <a:rPr lang="en-IN" dirty="0"/>
+              <a:t>Scope 1 (Electrical System) : V and I graph after general load </a:t>
+            </a:r>
+          </a:p>
+        </p:txBody>
+      </p:sp>
+    </p:spTree>
+    <p:extLst>
+      <p:ext uri="{BB962C8B-B14F-4D97-AF65-F5344CB8AC3E}">
+        <p14:creationId xmlns:p14="http://schemas.microsoft.com/office/powerpoint/2010/main" val="808996431"/>
       </p:ext>
     </p:extLst>
   </p:cSld>
@@ -9290,6 +9287,1100 @@
     <p:extLst>
       <p:ext uri="{BB962C8B-B14F-4D97-AF65-F5344CB8AC3E}">
         <p14:creationId xmlns:p14="http://schemas.microsoft.com/office/powerpoint/2010/main" val="4120745760"/>
+      </p:ext>
+    </p:extLst>
+  </p:cSld>
+  <p:clrMapOvr>
+    <a:masterClrMapping/>
+  </p:clrMapOvr>
+</p:sld>
+</file>
+
+<file path=ppt/slides/slide20.xml><?xml version="1.0" encoding="utf-8"?>
+<p:sld xmlns:a="http://schemas.openxmlformats.org/drawingml/2006/main" xmlns:r="http://schemas.openxmlformats.org/officeDocument/2006/relationships" xmlns:p="http://schemas.openxmlformats.org/presentationml/2006/main">
+  <p:cSld>
+    <p:spTree>
+      <p:nvGrpSpPr>
+        <p:cNvPr id="1" name=""/>
+        <p:cNvGrpSpPr/>
+        <p:nvPr/>
+      </p:nvGrpSpPr>
+      <p:grpSpPr>
+        <a:xfrm>
+          <a:off x="0" y="0"/>
+          <a:ext cx="0" cy="0"/>
+          <a:chOff x="0" y="0"/>
+          <a:chExt cx="0" cy="0"/>
+        </a:xfrm>
+      </p:grpSpPr>
+      <p:sp>
+        <p:nvSpPr>
+          <p:cNvPr id="2" name="Title 1">
+            <a:extLst>
+              <a:ext uri="{FF2B5EF4-FFF2-40B4-BE49-F238E27FC236}">
+                <a16:creationId xmlns:a16="http://schemas.microsoft.com/office/drawing/2014/main" id="{91F597AF-5865-7FD5-9EEA-A5EC78A6CEC8}"/>
+              </a:ext>
+            </a:extLst>
+          </p:cNvPr>
+          <p:cNvSpPr>
+            <a:spLocks noGrp="1"/>
+          </p:cNvSpPr>
+          <p:nvPr>
+            <p:ph type="title"/>
+          </p:nvPr>
+        </p:nvSpPr>
+        <p:spPr/>
+        <p:txBody>
+          <a:bodyPr/>
+          <a:lstStyle/>
+          <a:p>
+            <a:r>
+              <a:rPr lang="en-US" dirty="0"/>
+              <a:t>RESULTS - GRAPHS</a:t>
+            </a:r>
+            <a:endParaRPr lang="en-IN" dirty="0"/>
+          </a:p>
+        </p:txBody>
+      </p:sp>
+      <p:pic>
+        <p:nvPicPr>
+          <p:cNvPr id="7" name="Content Placeholder 6">
+            <a:extLst>
+              <a:ext uri="{FF2B5EF4-FFF2-40B4-BE49-F238E27FC236}">
+                <a16:creationId xmlns:a16="http://schemas.microsoft.com/office/drawing/2014/main" id="{D3A75296-8194-8222-6B09-813D4F058948}"/>
+              </a:ext>
+            </a:extLst>
+          </p:cNvPr>
+          <p:cNvPicPr>
+            <a:picLocks noGrp="1" noChangeAspect="1"/>
+          </p:cNvPicPr>
+          <p:nvPr>
+            <p:ph idx="1"/>
+          </p:nvPr>
+        </p:nvPicPr>
+        <p:blipFill>
+          <a:blip r:embed="rId2"/>
+          <a:stretch>
+            <a:fillRect/>
+          </a:stretch>
+        </p:blipFill>
+        <p:spPr>
+          <a:xfrm>
+            <a:off x="1366138" y="1668361"/>
+            <a:ext cx="9041429" cy="4351337"/>
+          </a:xfrm>
+          <a:prstGeom prst="rect">
+            <a:avLst/>
+          </a:prstGeom>
+        </p:spPr>
+      </p:pic>
+      <p:sp>
+        <p:nvSpPr>
+          <p:cNvPr id="4" name="Date Placeholder 3">
+            <a:extLst>
+              <a:ext uri="{FF2B5EF4-FFF2-40B4-BE49-F238E27FC236}">
+                <a16:creationId xmlns:a16="http://schemas.microsoft.com/office/drawing/2014/main" id="{B6B6A416-403D-6A8E-4B10-1F29743479D4}"/>
+              </a:ext>
+            </a:extLst>
+          </p:cNvPr>
+          <p:cNvSpPr>
+            <a:spLocks noGrp="1"/>
+          </p:cNvSpPr>
+          <p:nvPr>
+            <p:ph type="dt" sz="half" idx="10"/>
+          </p:nvPr>
+        </p:nvSpPr>
+        <p:spPr/>
+        <p:txBody>
+          <a:bodyPr/>
+          <a:lstStyle/>
+          <a:p>
+            <a:fld id="{C3A506DC-E6E9-4E1F-9224-49E86965200C}" type="datetime1">
+              <a:rPr lang="en-US" smtClean="0"/>
+              <a:t>8/25/2025</a:t>
+            </a:fld>
+            <a:endParaRPr lang="en-US"/>
+          </a:p>
+        </p:txBody>
+      </p:sp>
+      <p:sp>
+        <p:nvSpPr>
+          <p:cNvPr id="5" name="Slide Number Placeholder 4">
+            <a:extLst>
+              <a:ext uri="{FF2B5EF4-FFF2-40B4-BE49-F238E27FC236}">
+                <a16:creationId xmlns:a16="http://schemas.microsoft.com/office/drawing/2014/main" id="{EDE37201-6FEA-2422-ADF8-F3A627F2C176}"/>
+              </a:ext>
+            </a:extLst>
+          </p:cNvPr>
+          <p:cNvSpPr>
+            <a:spLocks noGrp="1"/>
+          </p:cNvSpPr>
+          <p:nvPr>
+            <p:ph type="sldNum" sz="quarter" idx="12"/>
+          </p:nvPr>
+        </p:nvSpPr>
+        <p:spPr/>
+        <p:txBody>
+          <a:bodyPr/>
+          <a:lstStyle/>
+          <a:p>
+            <a:fld id="{24578CCF-2EC4-44CB-A694-F6F6E59A3985}" type="slidenum">
+              <a:rPr lang="en-US" smtClean="0"/>
+              <a:t>20</a:t>
+            </a:fld>
+            <a:endParaRPr lang="en-US"/>
+          </a:p>
+        </p:txBody>
+      </p:sp>
+      <p:sp>
+        <p:nvSpPr>
+          <p:cNvPr id="6" name="TextBox 5">
+            <a:extLst>
+              <a:ext uri="{FF2B5EF4-FFF2-40B4-BE49-F238E27FC236}">
+                <a16:creationId xmlns:a16="http://schemas.microsoft.com/office/drawing/2014/main" id="{8661F5BD-211E-F6D6-B3CC-42AF0198F731}"/>
+              </a:ext>
+            </a:extLst>
+          </p:cNvPr>
+          <p:cNvSpPr txBox="1"/>
+          <p:nvPr/>
+        </p:nvSpPr>
+        <p:spPr>
+          <a:xfrm>
+            <a:off x="2192887" y="6101306"/>
+            <a:ext cx="7387930" cy="369332"/>
+          </a:xfrm>
+          <a:prstGeom prst="rect">
+            <a:avLst/>
+          </a:prstGeom>
+          <a:noFill/>
+        </p:spPr>
+        <p:txBody>
+          <a:bodyPr wrap="square">
+            <a:spAutoFit/>
+          </a:bodyPr>
+          <a:lstStyle/>
+          <a:p>
+            <a:r>
+              <a:rPr lang="en-IN" dirty="0"/>
+              <a:t>Scope 2 (Electrical System) : V and I graph after HVAC load </a:t>
+            </a:r>
+          </a:p>
+        </p:txBody>
+      </p:sp>
+    </p:spTree>
+    <p:extLst>
+      <p:ext uri="{BB962C8B-B14F-4D97-AF65-F5344CB8AC3E}">
+        <p14:creationId xmlns:p14="http://schemas.microsoft.com/office/powerpoint/2010/main" val="833865565"/>
+      </p:ext>
+    </p:extLst>
+  </p:cSld>
+  <p:clrMapOvr>
+    <a:masterClrMapping/>
+  </p:clrMapOvr>
+</p:sld>
+</file>
+
+<file path=ppt/slides/slide21.xml><?xml version="1.0" encoding="utf-8"?>
+<p:sld xmlns:a="http://schemas.openxmlformats.org/drawingml/2006/main" xmlns:r="http://schemas.openxmlformats.org/officeDocument/2006/relationships" xmlns:p="http://schemas.openxmlformats.org/presentationml/2006/main">
+  <p:cSld>
+    <p:spTree>
+      <p:nvGrpSpPr>
+        <p:cNvPr id="1" name=""/>
+        <p:cNvGrpSpPr/>
+        <p:nvPr/>
+      </p:nvGrpSpPr>
+      <p:grpSpPr>
+        <a:xfrm>
+          <a:off x="0" y="0"/>
+          <a:ext cx="0" cy="0"/>
+          <a:chOff x="0" y="0"/>
+          <a:chExt cx="0" cy="0"/>
+        </a:xfrm>
+      </p:grpSpPr>
+      <p:sp>
+        <p:nvSpPr>
+          <p:cNvPr id="2" name="Title 1">
+            <a:extLst>
+              <a:ext uri="{FF2B5EF4-FFF2-40B4-BE49-F238E27FC236}">
+                <a16:creationId xmlns:a16="http://schemas.microsoft.com/office/drawing/2014/main" id="{6E43743D-AF9C-33BE-38B2-1399F56575A2}"/>
+              </a:ext>
+            </a:extLst>
+          </p:cNvPr>
+          <p:cNvSpPr>
+            <a:spLocks noGrp="1"/>
+          </p:cNvSpPr>
+          <p:nvPr>
+            <p:ph type="title"/>
+          </p:nvPr>
+        </p:nvSpPr>
+        <p:spPr/>
+        <p:txBody>
+          <a:bodyPr/>
+          <a:lstStyle/>
+          <a:p>
+            <a:r>
+              <a:rPr lang="en-US" dirty="0"/>
+              <a:t>RESULTS - GRAPHS</a:t>
+            </a:r>
+            <a:endParaRPr lang="en-IN" dirty="0"/>
+          </a:p>
+        </p:txBody>
+      </p:sp>
+      <p:pic>
+        <p:nvPicPr>
+          <p:cNvPr id="7" name="Content Placeholder 6">
+            <a:extLst>
+              <a:ext uri="{FF2B5EF4-FFF2-40B4-BE49-F238E27FC236}">
+                <a16:creationId xmlns:a16="http://schemas.microsoft.com/office/drawing/2014/main" id="{FA4C20A4-A811-0574-6E12-DF8F9BBD58CB}"/>
+              </a:ext>
+            </a:extLst>
+          </p:cNvPr>
+          <p:cNvPicPr>
+            <a:picLocks noGrp="1" noChangeAspect="1"/>
+          </p:cNvPicPr>
+          <p:nvPr>
+            <p:ph idx="1"/>
+          </p:nvPr>
+        </p:nvPicPr>
+        <p:blipFill>
+          <a:blip r:embed="rId2"/>
+          <a:stretch>
+            <a:fillRect/>
+          </a:stretch>
+        </p:blipFill>
+        <p:spPr>
+          <a:xfrm>
+            <a:off x="1596686" y="1578955"/>
+            <a:ext cx="8491864" cy="4351337"/>
+          </a:xfrm>
+          <a:prstGeom prst="rect">
+            <a:avLst/>
+          </a:prstGeom>
+        </p:spPr>
+      </p:pic>
+      <p:sp>
+        <p:nvSpPr>
+          <p:cNvPr id="4" name="Date Placeholder 3">
+            <a:extLst>
+              <a:ext uri="{FF2B5EF4-FFF2-40B4-BE49-F238E27FC236}">
+                <a16:creationId xmlns:a16="http://schemas.microsoft.com/office/drawing/2014/main" id="{1DF1A55A-384F-95A2-962A-B0FB90BD9707}"/>
+              </a:ext>
+            </a:extLst>
+          </p:cNvPr>
+          <p:cNvSpPr>
+            <a:spLocks noGrp="1"/>
+          </p:cNvSpPr>
+          <p:nvPr>
+            <p:ph type="dt" sz="half" idx="10"/>
+          </p:nvPr>
+        </p:nvSpPr>
+        <p:spPr/>
+        <p:txBody>
+          <a:bodyPr/>
+          <a:lstStyle/>
+          <a:p>
+            <a:fld id="{637938F5-F315-4DC6-869F-7EFC1D237FE6}" type="datetime1">
+              <a:rPr lang="en-US" smtClean="0"/>
+              <a:t>8/25/2025</a:t>
+            </a:fld>
+            <a:endParaRPr lang="en-US"/>
+          </a:p>
+        </p:txBody>
+      </p:sp>
+      <p:sp>
+        <p:nvSpPr>
+          <p:cNvPr id="5" name="Slide Number Placeholder 4">
+            <a:extLst>
+              <a:ext uri="{FF2B5EF4-FFF2-40B4-BE49-F238E27FC236}">
+                <a16:creationId xmlns:a16="http://schemas.microsoft.com/office/drawing/2014/main" id="{159C84AD-3E53-1BB3-E787-8AB87A2A5B4A}"/>
+              </a:ext>
+            </a:extLst>
+          </p:cNvPr>
+          <p:cNvSpPr>
+            <a:spLocks noGrp="1"/>
+          </p:cNvSpPr>
+          <p:nvPr>
+            <p:ph type="sldNum" sz="quarter" idx="12"/>
+          </p:nvPr>
+        </p:nvSpPr>
+        <p:spPr/>
+        <p:txBody>
+          <a:bodyPr/>
+          <a:lstStyle/>
+          <a:p>
+            <a:fld id="{24578CCF-2EC4-44CB-A694-F6F6E59A3985}" type="slidenum">
+              <a:rPr lang="en-US" smtClean="0"/>
+              <a:t>21</a:t>
+            </a:fld>
+            <a:endParaRPr lang="en-US"/>
+          </a:p>
+        </p:txBody>
+      </p:sp>
+      <p:sp>
+        <p:nvSpPr>
+          <p:cNvPr id="6" name="TextBox 5">
+            <a:extLst>
+              <a:ext uri="{FF2B5EF4-FFF2-40B4-BE49-F238E27FC236}">
+                <a16:creationId xmlns:a16="http://schemas.microsoft.com/office/drawing/2014/main" id="{3E001896-A2E9-B00C-B272-D84EAC3E9504}"/>
+              </a:ext>
+            </a:extLst>
+          </p:cNvPr>
+          <p:cNvSpPr txBox="1"/>
+          <p:nvPr/>
+        </p:nvSpPr>
+        <p:spPr>
+          <a:xfrm>
+            <a:off x="2733368" y="6170414"/>
+            <a:ext cx="6548284" cy="369332"/>
+          </a:xfrm>
+          <a:prstGeom prst="rect">
+            <a:avLst/>
+          </a:prstGeom>
+          <a:noFill/>
+        </p:spPr>
+        <p:txBody>
+          <a:bodyPr wrap="square">
+            <a:spAutoFit/>
+          </a:bodyPr>
+          <a:lstStyle/>
+          <a:p>
+            <a:r>
+              <a:rPr lang="en-IN" dirty="0"/>
+              <a:t>Scope (Thermal system) – HVAC affecting the temperature </a:t>
+            </a:r>
+          </a:p>
+        </p:txBody>
+      </p:sp>
+    </p:spTree>
+    <p:extLst>
+      <p:ext uri="{BB962C8B-B14F-4D97-AF65-F5344CB8AC3E}">
+        <p14:creationId xmlns:p14="http://schemas.microsoft.com/office/powerpoint/2010/main" val="3668425189"/>
+      </p:ext>
+    </p:extLst>
+  </p:cSld>
+  <p:clrMapOvr>
+    <a:masterClrMapping/>
+  </p:clrMapOvr>
+</p:sld>
+</file>
+
+<file path=ppt/slides/slide22.xml><?xml version="1.0" encoding="utf-8"?>
+<p:sld xmlns:a="http://schemas.openxmlformats.org/drawingml/2006/main" xmlns:r="http://schemas.openxmlformats.org/officeDocument/2006/relationships" xmlns:p="http://schemas.openxmlformats.org/presentationml/2006/main">
+  <p:cSld>
+    <p:spTree>
+      <p:nvGrpSpPr>
+        <p:cNvPr id="1" name=""/>
+        <p:cNvGrpSpPr/>
+        <p:nvPr/>
+      </p:nvGrpSpPr>
+      <p:grpSpPr>
+        <a:xfrm>
+          <a:off x="0" y="0"/>
+          <a:ext cx="0" cy="0"/>
+          <a:chOff x="0" y="0"/>
+          <a:chExt cx="0" cy="0"/>
+        </a:xfrm>
+      </p:grpSpPr>
+      <p:sp>
+        <p:nvSpPr>
+          <p:cNvPr id="2" name="Title 1">
+            <a:extLst>
+              <a:ext uri="{FF2B5EF4-FFF2-40B4-BE49-F238E27FC236}">
+                <a16:creationId xmlns:a16="http://schemas.microsoft.com/office/drawing/2014/main" id="{33C26950-F9BB-1C4C-8FDC-CF73F06FA4B9}"/>
+              </a:ext>
+            </a:extLst>
+          </p:cNvPr>
+          <p:cNvSpPr>
+            <a:spLocks noGrp="1"/>
+          </p:cNvSpPr>
+          <p:nvPr>
+            <p:ph type="title"/>
+          </p:nvPr>
+        </p:nvSpPr>
+        <p:spPr/>
+        <p:txBody>
+          <a:bodyPr/>
+          <a:lstStyle/>
+          <a:p>
+            <a:r>
+              <a:rPr lang="en-US" dirty="0"/>
+              <a:t>RESULTS – DATA AQUISITION</a:t>
+            </a:r>
+            <a:endParaRPr lang="en-IN" dirty="0"/>
+          </a:p>
+        </p:txBody>
+      </p:sp>
+      <p:pic>
+        <p:nvPicPr>
+          <p:cNvPr id="7" name="Content Placeholder 6">
+            <a:extLst>
+              <a:ext uri="{FF2B5EF4-FFF2-40B4-BE49-F238E27FC236}">
+                <a16:creationId xmlns:a16="http://schemas.microsoft.com/office/drawing/2014/main" id="{FE80046E-1D9E-F95B-BDD6-6CD81701304E}"/>
+              </a:ext>
+            </a:extLst>
+          </p:cNvPr>
+          <p:cNvPicPr>
+            <a:picLocks noGrp="1" noChangeAspect="1"/>
+          </p:cNvPicPr>
+          <p:nvPr>
+            <p:ph idx="1"/>
+          </p:nvPr>
+        </p:nvPicPr>
+        <p:blipFill>
+          <a:blip r:embed="rId2"/>
+          <a:stretch>
+            <a:fillRect/>
+          </a:stretch>
+        </p:blipFill>
+        <p:spPr>
+          <a:xfrm>
+            <a:off x="1244334" y="1691800"/>
+            <a:ext cx="4065086" cy="4364872"/>
+          </a:xfrm>
+          <a:prstGeom prst="rect">
+            <a:avLst/>
+          </a:prstGeom>
+        </p:spPr>
+      </p:pic>
+      <p:sp>
+        <p:nvSpPr>
+          <p:cNvPr id="4" name="Date Placeholder 3">
+            <a:extLst>
+              <a:ext uri="{FF2B5EF4-FFF2-40B4-BE49-F238E27FC236}">
+                <a16:creationId xmlns:a16="http://schemas.microsoft.com/office/drawing/2014/main" id="{FCB93E7B-F0F6-857F-FABF-13EC820A843E}"/>
+              </a:ext>
+            </a:extLst>
+          </p:cNvPr>
+          <p:cNvSpPr>
+            <a:spLocks noGrp="1"/>
+          </p:cNvSpPr>
+          <p:nvPr>
+            <p:ph type="dt" sz="half" idx="10"/>
+          </p:nvPr>
+        </p:nvSpPr>
+        <p:spPr/>
+        <p:txBody>
+          <a:bodyPr/>
+          <a:lstStyle/>
+          <a:p>
+            <a:fld id="{16078CEC-0091-4D13-824F-07B66AE63509}" type="datetime1">
+              <a:rPr lang="en-US" smtClean="0"/>
+              <a:t>8/25/2025</a:t>
+            </a:fld>
+            <a:endParaRPr lang="en-US"/>
+          </a:p>
+        </p:txBody>
+      </p:sp>
+      <p:sp>
+        <p:nvSpPr>
+          <p:cNvPr id="5" name="Slide Number Placeholder 4">
+            <a:extLst>
+              <a:ext uri="{FF2B5EF4-FFF2-40B4-BE49-F238E27FC236}">
+                <a16:creationId xmlns:a16="http://schemas.microsoft.com/office/drawing/2014/main" id="{432EFCF1-B232-6CEA-5AC1-552EFFE03B9C}"/>
+              </a:ext>
+            </a:extLst>
+          </p:cNvPr>
+          <p:cNvSpPr>
+            <a:spLocks noGrp="1"/>
+          </p:cNvSpPr>
+          <p:nvPr>
+            <p:ph type="sldNum" sz="quarter" idx="12"/>
+          </p:nvPr>
+        </p:nvSpPr>
+        <p:spPr/>
+        <p:txBody>
+          <a:bodyPr/>
+          <a:lstStyle/>
+          <a:p>
+            <a:fld id="{24578CCF-2EC4-44CB-A694-F6F6E59A3985}" type="slidenum">
+              <a:rPr lang="en-US" smtClean="0"/>
+              <a:t>22</a:t>
+            </a:fld>
+            <a:endParaRPr lang="en-US"/>
+          </a:p>
+        </p:txBody>
+      </p:sp>
+      <p:pic>
+        <p:nvPicPr>
+          <p:cNvPr id="9" name="Picture 8">
+            <a:extLst>
+              <a:ext uri="{FF2B5EF4-FFF2-40B4-BE49-F238E27FC236}">
+                <a16:creationId xmlns:a16="http://schemas.microsoft.com/office/drawing/2014/main" id="{CE373435-5984-3B32-7E40-B50B2E6B3070}"/>
+              </a:ext>
+            </a:extLst>
+          </p:cNvPr>
+          <p:cNvPicPr>
+            <a:picLocks noChangeAspect="1"/>
+          </p:cNvPicPr>
+          <p:nvPr/>
+        </p:nvPicPr>
+        <p:blipFill>
+          <a:blip r:embed="rId3"/>
+          <a:srcRect b="27226"/>
+          <a:stretch>
+            <a:fillRect/>
+          </a:stretch>
+        </p:blipFill>
+        <p:spPr>
+          <a:xfrm>
+            <a:off x="6210926" y="1691799"/>
+            <a:ext cx="3591426" cy="4364873"/>
+          </a:xfrm>
+          <a:prstGeom prst="rect">
+            <a:avLst/>
+          </a:prstGeom>
+        </p:spPr>
+      </p:pic>
+      <p:sp>
+        <p:nvSpPr>
+          <p:cNvPr id="6" name="TextBox 5">
+            <a:extLst>
+              <a:ext uri="{FF2B5EF4-FFF2-40B4-BE49-F238E27FC236}">
+                <a16:creationId xmlns:a16="http://schemas.microsoft.com/office/drawing/2014/main" id="{73C02253-DB5E-04E3-EAF7-2596EFE18888}"/>
+              </a:ext>
+            </a:extLst>
+          </p:cNvPr>
+          <p:cNvSpPr txBox="1"/>
+          <p:nvPr/>
+        </p:nvSpPr>
+        <p:spPr>
+          <a:xfrm>
+            <a:off x="2838853" y="6170414"/>
+            <a:ext cx="6096000" cy="369332"/>
+          </a:xfrm>
+          <a:prstGeom prst="rect">
+            <a:avLst/>
+          </a:prstGeom>
+          <a:noFill/>
+        </p:spPr>
+        <p:txBody>
+          <a:bodyPr wrap="square">
+            <a:spAutoFit/>
+          </a:bodyPr>
+          <a:lstStyle/>
+          <a:p>
+            <a:r>
+              <a:rPr lang="en-IN" dirty="0"/>
+              <a:t>Data collected from every subsystem / Example data</a:t>
+            </a:r>
+          </a:p>
+        </p:txBody>
+      </p:sp>
+    </p:spTree>
+    <p:extLst>
+      <p:ext uri="{BB962C8B-B14F-4D97-AF65-F5344CB8AC3E}">
+        <p14:creationId xmlns:p14="http://schemas.microsoft.com/office/powerpoint/2010/main" val="3369455840"/>
+      </p:ext>
+    </p:extLst>
+  </p:cSld>
+  <p:clrMapOvr>
+    <a:masterClrMapping/>
+  </p:clrMapOvr>
+</p:sld>
+</file>
+
+<file path=ppt/slides/slide23.xml><?xml version="1.0" encoding="utf-8"?>
+<p:sld xmlns:a="http://schemas.openxmlformats.org/drawingml/2006/main" xmlns:r="http://schemas.openxmlformats.org/officeDocument/2006/relationships" xmlns:p="http://schemas.openxmlformats.org/presentationml/2006/main">
+  <p:cSld>
+    <p:spTree>
+      <p:nvGrpSpPr>
+        <p:cNvPr id="1" name=""/>
+        <p:cNvGrpSpPr/>
+        <p:nvPr/>
+      </p:nvGrpSpPr>
+      <p:grpSpPr>
+        <a:xfrm>
+          <a:off x="0" y="0"/>
+          <a:ext cx="0" cy="0"/>
+          <a:chOff x="0" y="0"/>
+          <a:chExt cx="0" cy="0"/>
+        </a:xfrm>
+      </p:grpSpPr>
+      <p:sp>
+        <p:nvSpPr>
+          <p:cNvPr id="2" name="Title 1">
+            <a:extLst>
+              <a:ext uri="{FF2B5EF4-FFF2-40B4-BE49-F238E27FC236}">
+                <a16:creationId xmlns:a16="http://schemas.microsoft.com/office/drawing/2014/main" id="{44AA4C33-2648-1591-1E18-7EDA2A9E105F}"/>
+              </a:ext>
+            </a:extLst>
+          </p:cNvPr>
+          <p:cNvSpPr>
+            <a:spLocks noGrp="1"/>
+          </p:cNvSpPr>
+          <p:nvPr>
+            <p:ph type="title"/>
+          </p:nvPr>
+        </p:nvSpPr>
+        <p:spPr>
+          <a:xfrm>
+            <a:off x="1069848" y="390861"/>
+            <a:ext cx="9634011" cy="1325563"/>
+          </a:xfrm>
+        </p:spPr>
+        <p:txBody>
+          <a:bodyPr/>
+          <a:lstStyle/>
+          <a:p>
+            <a:r>
+              <a:rPr lang="en-US"/>
+              <a:t>References</a:t>
+            </a:r>
+          </a:p>
+        </p:txBody>
+      </p:sp>
+      <p:sp>
+        <p:nvSpPr>
+          <p:cNvPr id="3" name="Content Placeholder 2">
+            <a:extLst>
+              <a:ext uri="{FF2B5EF4-FFF2-40B4-BE49-F238E27FC236}">
+                <a16:creationId xmlns:a16="http://schemas.microsoft.com/office/drawing/2014/main" id="{B3D786E8-8392-B3AA-B6DF-2C2BBDC91AA4}"/>
+              </a:ext>
+            </a:extLst>
+          </p:cNvPr>
+          <p:cNvSpPr>
+            <a:spLocks noGrp="1"/>
+          </p:cNvSpPr>
+          <p:nvPr>
+            <p:ph idx="1"/>
+          </p:nvPr>
+        </p:nvSpPr>
+        <p:spPr>
+          <a:xfrm>
+            <a:off x="838200" y="1197918"/>
+            <a:ext cx="10163771" cy="5270220"/>
+          </a:xfrm>
+        </p:spPr>
+        <p:txBody>
+          <a:bodyPr vert="horz" lIns="91440" tIns="45720" rIns="91440" bIns="45720" rtlCol="0" anchor="t">
+            <a:noAutofit/>
+          </a:bodyPr>
+          <a:lstStyle/>
+          <a:p>
+            <a:pPr marL="0" indent="0">
+              <a:buNone/>
+            </a:pPr>
+            <a:endParaRPr lang="en-US" sz="600">
+              <a:solidFill>
+                <a:srgbClr val="333333"/>
+              </a:solidFill>
+              <a:ea typeface="+mn-lt"/>
+              <a:cs typeface="+mn-lt"/>
+            </a:endParaRPr>
+          </a:p>
+          <a:p>
+            <a:r>
+              <a:rPr lang="en-US" sz="1100">
+                <a:solidFill>
+                  <a:srgbClr val="333333"/>
+                </a:solidFill>
+                <a:ea typeface="+mn-lt"/>
+                <a:cs typeface="+mn-lt"/>
+              </a:rPr>
+              <a:t>H. </a:t>
+            </a:r>
+            <a:r>
+              <a:rPr lang="en-US" sz="1100" err="1">
+                <a:solidFill>
+                  <a:srgbClr val="333333"/>
+                </a:solidFill>
+                <a:ea typeface="+mn-lt"/>
+                <a:cs typeface="+mn-lt"/>
+              </a:rPr>
+              <a:t>Agharazi</a:t>
+            </a:r>
+            <a:r>
+              <a:rPr lang="en-US" sz="1100">
+                <a:solidFill>
+                  <a:srgbClr val="333333"/>
+                </a:solidFill>
+                <a:ea typeface="+mn-lt"/>
+                <a:cs typeface="+mn-lt"/>
+              </a:rPr>
+              <a:t> </a:t>
+            </a:r>
+            <a:r>
+              <a:rPr lang="en-US" sz="1100" i="1">
+                <a:solidFill>
+                  <a:srgbClr val="333333"/>
+                </a:solidFill>
+                <a:ea typeface="+mn-lt"/>
+                <a:cs typeface="+mn-lt"/>
+              </a:rPr>
+              <a:t>et al</a:t>
+            </a:r>
+            <a:r>
+              <a:rPr lang="en-US" sz="1100">
+                <a:solidFill>
+                  <a:srgbClr val="333333"/>
+                </a:solidFill>
+                <a:ea typeface="+mn-lt"/>
+                <a:cs typeface="+mn-lt"/>
+              </a:rPr>
+              <a:t>., "Installation and Testing of a Two-Level Model Predictive Control Building Energy Management System," in </a:t>
+            </a:r>
+            <a:r>
+              <a:rPr lang="en-US" sz="1100" i="1">
+                <a:solidFill>
+                  <a:srgbClr val="333333"/>
+                </a:solidFill>
+                <a:ea typeface="+mn-lt"/>
+                <a:cs typeface="+mn-lt"/>
+              </a:rPr>
+              <a:t>IEEE Transactions on Control Systems Technology</a:t>
+            </a:r>
+            <a:r>
+              <a:rPr lang="en-US" sz="1100">
+                <a:solidFill>
+                  <a:srgbClr val="333333"/>
+                </a:solidFill>
+                <a:ea typeface="+mn-lt"/>
+                <a:cs typeface="+mn-lt"/>
+              </a:rPr>
+              <a:t>, vol. 32, no. 2, pp. 326-339, March 2024</a:t>
+            </a:r>
+          </a:p>
+          <a:p>
+            <a:r>
+              <a:rPr lang="en-US" sz="1100">
+                <a:solidFill>
+                  <a:srgbClr val="333333"/>
+                </a:solidFill>
+                <a:ea typeface="+mn-lt"/>
+                <a:cs typeface="+mn-lt"/>
+              </a:rPr>
+              <a:t>W. Cai, S. Sawant, D. Reinhardt, S. </a:t>
+            </a:r>
+            <a:r>
+              <a:rPr lang="en-US" sz="1100" err="1">
+                <a:solidFill>
+                  <a:srgbClr val="333333"/>
+                </a:solidFill>
+                <a:ea typeface="+mn-lt"/>
+                <a:cs typeface="+mn-lt"/>
+              </a:rPr>
+              <a:t>Rastegarpour</a:t>
+            </a:r>
+            <a:r>
+              <a:rPr lang="en-US" sz="1100">
+                <a:solidFill>
+                  <a:srgbClr val="333333"/>
+                </a:solidFill>
+                <a:ea typeface="+mn-lt"/>
+                <a:cs typeface="+mn-lt"/>
+              </a:rPr>
+              <a:t> and S. Gros, "A Learning-Based Model Predictive Control Strategy for Home Energy Management Systems," in </a:t>
+            </a:r>
+            <a:r>
+              <a:rPr lang="en-US" sz="1100" i="1">
+                <a:solidFill>
+                  <a:srgbClr val="333333"/>
+                </a:solidFill>
+                <a:ea typeface="+mn-lt"/>
+                <a:cs typeface="+mn-lt"/>
+              </a:rPr>
+              <a:t>IEEE Access</a:t>
+            </a:r>
+            <a:r>
+              <a:rPr lang="en-US" sz="1100">
+                <a:solidFill>
+                  <a:srgbClr val="333333"/>
+                </a:solidFill>
+                <a:ea typeface="+mn-lt"/>
+                <a:cs typeface="+mn-lt"/>
+              </a:rPr>
+              <a:t>, vol. 11, pp. 145264-145280, 2023</a:t>
+            </a:r>
+            <a:endParaRPr lang="en-US" sz="1100"/>
+          </a:p>
+          <a:p>
+            <a:r>
+              <a:rPr lang="en-US" sz="1100">
+                <a:solidFill>
+                  <a:srgbClr val="333333"/>
+                </a:solidFill>
+                <a:ea typeface="+mn-lt"/>
+                <a:cs typeface="+mn-lt"/>
+              </a:rPr>
+              <a:t>S. S. Tohidi, D. Calì and H. Madsen, "Adaptive Model Predictive Controller for Building Thermal Dynamics," in </a:t>
+            </a:r>
+            <a:r>
+              <a:rPr lang="en-US" sz="1100" i="1">
+                <a:solidFill>
+                  <a:srgbClr val="333333"/>
+                </a:solidFill>
+                <a:ea typeface="+mn-lt"/>
+                <a:cs typeface="+mn-lt"/>
+              </a:rPr>
+              <a:t>IEEE Control Systems Letters</a:t>
+            </a:r>
+            <a:r>
+              <a:rPr lang="en-US" sz="1100">
+                <a:solidFill>
+                  <a:srgbClr val="333333"/>
+                </a:solidFill>
+                <a:ea typeface="+mn-lt"/>
+                <a:cs typeface="+mn-lt"/>
+              </a:rPr>
+              <a:t>, vol. 8, pp. 1325-1330, 2024</a:t>
+            </a:r>
+            <a:endParaRPr lang="en-US" sz="1100"/>
+          </a:p>
+          <a:p>
+            <a:r>
+              <a:rPr lang="en-US" sz="1100">
+                <a:solidFill>
+                  <a:srgbClr val="333333"/>
+                </a:solidFill>
+                <a:ea typeface="+mn-lt"/>
+                <a:cs typeface="+mn-lt"/>
+              </a:rPr>
+              <a:t>B. He, N. Zhang, C. Fang, Y. Su and Y. Wang, "Flexible Building Energy Management With Neural ODEs-Based Model Predictive Control," in </a:t>
+            </a:r>
+            <a:r>
+              <a:rPr lang="en-US" sz="1100" i="1">
+                <a:solidFill>
+                  <a:srgbClr val="333333"/>
+                </a:solidFill>
+                <a:ea typeface="+mn-lt"/>
+                <a:cs typeface="+mn-lt"/>
+              </a:rPr>
+              <a:t>IEEE Transactions on Smart Grid</a:t>
+            </a:r>
+            <a:r>
+              <a:rPr lang="en-US" sz="1100">
+                <a:solidFill>
+                  <a:srgbClr val="333333"/>
+                </a:solidFill>
+                <a:ea typeface="+mn-lt"/>
+                <a:cs typeface="+mn-lt"/>
+              </a:rPr>
+              <a:t>, vol. 15, no. 5, pp. 4690-4704, Sept. 2024</a:t>
+            </a:r>
+          </a:p>
+          <a:p>
+            <a:r>
+              <a:rPr lang="en-US" sz="1100">
+                <a:solidFill>
+                  <a:srgbClr val="333333"/>
+                </a:solidFill>
+                <a:ea typeface="+mn-lt"/>
+                <a:cs typeface="+mn-lt"/>
+              </a:rPr>
+              <a:t>H. Li, J. Xu and Q. Zhao, "Priority-Based Energy Allocation in Buildings Through Distributed Model Predictive Control," in </a:t>
+            </a:r>
+            <a:r>
+              <a:rPr lang="en-US" sz="1100" i="1">
+                <a:solidFill>
+                  <a:srgbClr val="333333"/>
+                </a:solidFill>
+                <a:ea typeface="+mn-lt"/>
+                <a:cs typeface="+mn-lt"/>
+              </a:rPr>
+              <a:t>IEEE Transactions on Automation Science and Engineering</a:t>
+            </a:r>
+            <a:r>
+              <a:rPr lang="en-US" sz="1100">
+                <a:solidFill>
+                  <a:srgbClr val="333333"/>
+                </a:solidFill>
+                <a:ea typeface="+mn-lt"/>
+                <a:cs typeface="+mn-lt"/>
+              </a:rPr>
+              <a:t>, vol. 22, pp. 7516-7529, 2025</a:t>
+            </a:r>
+          </a:p>
+          <a:p>
+            <a:r>
+              <a:rPr lang="en-US" sz="1100">
+                <a:solidFill>
+                  <a:srgbClr val="333333"/>
+                </a:solidFill>
+                <a:ea typeface="+mn-lt"/>
+                <a:cs typeface="+mn-lt"/>
+              </a:rPr>
+              <a:t>B. K. </a:t>
+            </a:r>
+            <a:r>
+              <a:rPr lang="en-US" sz="1100" err="1">
+                <a:solidFill>
+                  <a:srgbClr val="333333"/>
+                </a:solidFill>
+                <a:ea typeface="+mn-lt"/>
+                <a:cs typeface="+mn-lt"/>
+              </a:rPr>
+              <a:t>Oleiwi</a:t>
+            </a:r>
+            <a:r>
+              <a:rPr lang="en-US" sz="1100">
+                <a:solidFill>
+                  <a:srgbClr val="333333"/>
+                </a:solidFill>
+                <a:ea typeface="+mn-lt"/>
+                <a:cs typeface="+mn-lt"/>
+              </a:rPr>
+              <a:t> and A. H. Sabry, "Controlling a House’s Air-Conditioning Using Nonlinear Model Predictive Control," in </a:t>
+            </a:r>
+            <a:r>
+              <a:rPr lang="en-US" sz="1100" i="1">
+                <a:solidFill>
+                  <a:srgbClr val="333333"/>
+                </a:solidFill>
+                <a:ea typeface="+mn-lt"/>
+                <a:cs typeface="+mn-lt"/>
+              </a:rPr>
+              <a:t>IEEE Embedded Systems Letters</a:t>
+            </a:r>
+            <a:r>
+              <a:rPr lang="en-US" sz="1100">
+                <a:solidFill>
+                  <a:srgbClr val="333333"/>
+                </a:solidFill>
+                <a:ea typeface="+mn-lt"/>
+                <a:cs typeface="+mn-lt"/>
+              </a:rPr>
+              <a:t>, vol. 16, no. 2, pp. 239-242, June 2024</a:t>
+            </a:r>
+          </a:p>
+          <a:p>
+            <a:r>
+              <a:rPr lang="en-US" sz="1100">
+                <a:solidFill>
+                  <a:srgbClr val="333333"/>
+                </a:solidFill>
+                <a:ea typeface="+mn-lt"/>
+                <a:cs typeface="+mn-lt"/>
+              </a:rPr>
+              <a:t>G. Mantovani and L. Ferrarini, "Temperature Control of a Commercial Building With Model Predictive Control Techniques," in </a:t>
+            </a:r>
+            <a:r>
+              <a:rPr lang="en-US" sz="1100" i="1">
+                <a:solidFill>
+                  <a:srgbClr val="333333"/>
+                </a:solidFill>
+                <a:ea typeface="+mn-lt"/>
+                <a:cs typeface="+mn-lt"/>
+              </a:rPr>
+              <a:t>IEEE Transactions on Industrial Electronics</a:t>
+            </a:r>
+            <a:r>
+              <a:rPr lang="en-US" sz="1100">
+                <a:solidFill>
+                  <a:srgbClr val="333333"/>
+                </a:solidFill>
+                <a:ea typeface="+mn-lt"/>
+                <a:cs typeface="+mn-lt"/>
+              </a:rPr>
+              <a:t>, vol. 62, no. 4, pp. 2651-2660, April 2015</a:t>
+            </a:r>
+          </a:p>
+          <a:p>
+            <a:r>
+              <a:rPr lang="en-US" sz="1100">
+                <a:solidFill>
+                  <a:srgbClr val="333333"/>
+                </a:solidFill>
+                <a:ea typeface="+mn-lt"/>
+                <a:cs typeface="+mn-lt"/>
+              </a:rPr>
+              <a:t>A. Martinčević and M. </a:t>
+            </a:r>
+            <a:r>
+              <a:rPr lang="en-US" sz="1100" err="1">
+                <a:solidFill>
+                  <a:srgbClr val="333333"/>
+                </a:solidFill>
+                <a:ea typeface="+mn-lt"/>
+                <a:cs typeface="+mn-lt"/>
+              </a:rPr>
+              <a:t>Vašak</a:t>
+            </a:r>
+            <a:r>
+              <a:rPr lang="en-US" sz="1100">
+                <a:solidFill>
+                  <a:srgbClr val="333333"/>
+                </a:solidFill>
+                <a:ea typeface="+mn-lt"/>
+                <a:cs typeface="+mn-lt"/>
+              </a:rPr>
+              <a:t>, "Constrained Kalman Filter for Identification of </a:t>
+            </a:r>
+            <a:r>
+              <a:rPr lang="en-US" sz="1100" err="1">
+                <a:solidFill>
+                  <a:srgbClr val="333333"/>
+                </a:solidFill>
+                <a:ea typeface="+mn-lt"/>
+                <a:cs typeface="+mn-lt"/>
+              </a:rPr>
+              <a:t>Semiphysical</a:t>
+            </a:r>
+            <a:r>
+              <a:rPr lang="en-US" sz="1100">
+                <a:solidFill>
+                  <a:srgbClr val="333333"/>
+                </a:solidFill>
+                <a:ea typeface="+mn-lt"/>
+                <a:cs typeface="+mn-lt"/>
+              </a:rPr>
+              <a:t> Building Thermal Models," in </a:t>
+            </a:r>
+            <a:r>
+              <a:rPr lang="en-US" sz="1100" i="1">
+                <a:solidFill>
+                  <a:srgbClr val="333333"/>
+                </a:solidFill>
+                <a:ea typeface="+mn-lt"/>
+                <a:cs typeface="+mn-lt"/>
+              </a:rPr>
+              <a:t>IEEE Transactions on Control Systems Technology</a:t>
+            </a:r>
+            <a:r>
+              <a:rPr lang="en-US" sz="1100">
+                <a:solidFill>
+                  <a:srgbClr val="333333"/>
+                </a:solidFill>
+                <a:ea typeface="+mn-lt"/>
+                <a:cs typeface="+mn-lt"/>
+              </a:rPr>
+              <a:t>, vol. 28, no. 6, pp. 2697-2704, Nov. 2020</a:t>
+            </a:r>
+          </a:p>
+        </p:txBody>
+      </p:sp>
+      <p:sp>
+        <p:nvSpPr>
+          <p:cNvPr id="4" name="Slide Number Placeholder 3">
+            <a:extLst>
+              <a:ext uri="{FF2B5EF4-FFF2-40B4-BE49-F238E27FC236}">
+                <a16:creationId xmlns:a16="http://schemas.microsoft.com/office/drawing/2014/main" id="{E2B5FDB2-398A-EE61-E50C-4C16A7B120D7}"/>
+              </a:ext>
+            </a:extLst>
+          </p:cNvPr>
+          <p:cNvSpPr>
+            <a:spLocks noGrp="1"/>
+          </p:cNvSpPr>
+          <p:nvPr>
+            <p:ph type="sldNum" sz="quarter" idx="12"/>
+          </p:nvPr>
+        </p:nvSpPr>
+        <p:spPr/>
+        <p:txBody>
+          <a:bodyPr/>
+          <a:lstStyle/>
+          <a:p>
+            <a:fld id="{24578CCF-2EC4-44CB-A694-F6F6E59A3985}" type="slidenum">
+              <a:rPr lang="en-US" dirty="0"/>
+              <a:t>23</a:t>
+            </a:fld>
+            <a:endParaRPr lang="en-US"/>
+          </a:p>
+        </p:txBody>
+      </p:sp>
+    </p:spTree>
+    <p:extLst>
+      <p:ext uri="{BB962C8B-B14F-4D97-AF65-F5344CB8AC3E}">
+        <p14:creationId xmlns:p14="http://schemas.microsoft.com/office/powerpoint/2010/main" val="1957569309"/>
       </p:ext>
     </p:extLst>
   </p:cSld>
@@ -9794,6 +10885,193 @@
   <p:cSld>
     <p:spTree>
       <p:nvGrpSpPr>
+        <p:cNvPr id="1" name=""/>
+        <p:cNvGrpSpPr/>
+        <p:nvPr/>
+      </p:nvGrpSpPr>
+      <p:grpSpPr>
+        <a:xfrm>
+          <a:off x="0" y="0"/>
+          <a:ext cx="0" cy="0"/>
+          <a:chOff x="0" y="0"/>
+          <a:chExt cx="0" cy="0"/>
+        </a:xfrm>
+      </p:grpSpPr>
+      <p:sp>
+        <p:nvSpPr>
+          <p:cNvPr id="2" name="Title 1">
+            <a:extLst>
+              <a:ext uri="{FF2B5EF4-FFF2-40B4-BE49-F238E27FC236}">
+                <a16:creationId xmlns:a16="http://schemas.microsoft.com/office/drawing/2014/main" id="{2F741972-6962-E0C9-1AFE-B9BCA7F0E604}"/>
+              </a:ext>
+            </a:extLst>
+          </p:cNvPr>
+          <p:cNvSpPr>
+            <a:spLocks noGrp="1"/>
+          </p:cNvSpPr>
+          <p:nvPr>
+            <p:ph type="title"/>
+          </p:nvPr>
+        </p:nvSpPr>
+        <p:spPr/>
+        <p:txBody>
+          <a:bodyPr/>
+          <a:lstStyle/>
+          <a:p>
+            <a:r>
+              <a:rPr lang="en-IN" dirty="0"/>
+              <a:t>EXTRA – LITERATURE REVIEW</a:t>
+            </a:r>
+          </a:p>
+        </p:txBody>
+      </p:sp>
+      <p:pic>
+        <p:nvPicPr>
+          <p:cNvPr id="7" name="Content Placeholder 6">
+            <a:extLst>
+              <a:ext uri="{FF2B5EF4-FFF2-40B4-BE49-F238E27FC236}">
+                <a16:creationId xmlns:a16="http://schemas.microsoft.com/office/drawing/2014/main" id="{17827235-BF7A-D18A-17F3-6B64A35424BC}"/>
+              </a:ext>
+            </a:extLst>
+          </p:cNvPr>
+          <p:cNvPicPr>
+            <a:picLocks noGrp="1" noChangeAspect="1"/>
+          </p:cNvPicPr>
+          <p:nvPr>
+            <p:ph idx="1"/>
+          </p:nvPr>
+        </p:nvPicPr>
+        <p:blipFill>
+          <a:blip r:embed="rId2">
+            <a:extLst>
+              <a:ext uri="{28A0092B-C50C-407E-A947-70E740481C1C}">
+                <a14:useLocalDpi xmlns:a14="http://schemas.microsoft.com/office/drawing/2010/main" val="0"/>
+              </a:ext>
+            </a:extLst>
+          </a:blip>
+          <a:stretch>
+            <a:fillRect/>
+          </a:stretch>
+        </p:blipFill>
+        <p:spPr>
+          <a:xfrm>
+            <a:off x="1069321" y="1622615"/>
+            <a:ext cx="9634538" cy="4147861"/>
+          </a:xfrm>
+        </p:spPr>
+      </p:pic>
+      <p:sp>
+        <p:nvSpPr>
+          <p:cNvPr id="4" name="Date Placeholder 3">
+            <a:extLst>
+              <a:ext uri="{FF2B5EF4-FFF2-40B4-BE49-F238E27FC236}">
+                <a16:creationId xmlns:a16="http://schemas.microsoft.com/office/drawing/2014/main" id="{BE3E0CCF-22F7-E5B8-18D4-2B01303A96D1}"/>
+              </a:ext>
+            </a:extLst>
+          </p:cNvPr>
+          <p:cNvSpPr>
+            <a:spLocks noGrp="1"/>
+          </p:cNvSpPr>
+          <p:nvPr>
+            <p:ph type="dt" sz="half" idx="10"/>
+          </p:nvPr>
+        </p:nvSpPr>
+        <p:spPr/>
+        <p:txBody>
+          <a:bodyPr/>
+          <a:lstStyle/>
+          <a:p>
+            <a:fld id="{EF4C6674-5092-4E85-A599-7B85E3B8ADE1}" type="datetime1">
+              <a:rPr lang="en-US" smtClean="0"/>
+              <a:t>8/25/2025</a:t>
+            </a:fld>
+            <a:endParaRPr lang="en-US"/>
+          </a:p>
+        </p:txBody>
+      </p:sp>
+      <p:sp>
+        <p:nvSpPr>
+          <p:cNvPr id="5" name="Slide Number Placeholder 4">
+            <a:extLst>
+              <a:ext uri="{FF2B5EF4-FFF2-40B4-BE49-F238E27FC236}">
+                <a16:creationId xmlns:a16="http://schemas.microsoft.com/office/drawing/2014/main" id="{D08CAA40-BD8C-91D5-6DA5-C6B87ECC7336}"/>
+              </a:ext>
+            </a:extLst>
+          </p:cNvPr>
+          <p:cNvSpPr>
+            <a:spLocks noGrp="1"/>
+          </p:cNvSpPr>
+          <p:nvPr>
+            <p:ph type="sldNum" sz="quarter" idx="12"/>
+          </p:nvPr>
+        </p:nvSpPr>
+        <p:spPr/>
+        <p:txBody>
+          <a:bodyPr/>
+          <a:lstStyle/>
+          <a:p>
+            <a:fld id="{24578CCF-2EC4-44CB-A694-F6F6E59A3985}" type="slidenum">
+              <a:rPr lang="en-US" smtClean="0"/>
+              <a:t>6</a:t>
+            </a:fld>
+            <a:endParaRPr lang="en-US"/>
+          </a:p>
+        </p:txBody>
+      </p:sp>
+      <p:sp>
+        <p:nvSpPr>
+          <p:cNvPr id="9" name="TextBox 8">
+            <a:extLst>
+              <a:ext uri="{FF2B5EF4-FFF2-40B4-BE49-F238E27FC236}">
+                <a16:creationId xmlns:a16="http://schemas.microsoft.com/office/drawing/2014/main" id="{E376EAAD-3FBB-77CA-93A9-6C5095F1988B}"/>
+              </a:ext>
+            </a:extLst>
+          </p:cNvPr>
+          <p:cNvSpPr txBox="1"/>
+          <p:nvPr/>
+        </p:nvSpPr>
+        <p:spPr>
+          <a:xfrm>
+            <a:off x="341972" y="5859292"/>
+            <a:ext cx="11366445" cy="523220"/>
+          </a:xfrm>
+          <a:prstGeom prst="rect">
+            <a:avLst/>
+          </a:prstGeom>
+          <a:noFill/>
+        </p:spPr>
+        <p:txBody>
+          <a:bodyPr wrap="square">
+            <a:spAutoFit/>
+          </a:bodyPr>
+          <a:lstStyle/>
+          <a:p>
+            <a:pPr algn="just"/>
+            <a:r>
+              <a:rPr lang="en-IN" sz="1400" dirty="0"/>
+              <a:t>Approved by ASHRAE Standards Committee on July 31, 2020; by the ASHRAE Board of Directors on August 10, 2020; by the American Society for Health Care Engineering on July 28, 2020; and by the American National Standards Institute on September 1, 2020.</a:t>
+            </a:r>
+          </a:p>
+        </p:txBody>
+      </p:sp>
+    </p:spTree>
+    <p:extLst>
+      <p:ext uri="{BB962C8B-B14F-4D97-AF65-F5344CB8AC3E}">
+        <p14:creationId xmlns:p14="http://schemas.microsoft.com/office/powerpoint/2010/main" val="2359138029"/>
+      </p:ext>
+    </p:extLst>
+  </p:cSld>
+  <p:clrMapOvr>
+    <a:masterClrMapping/>
+  </p:clrMapOvr>
+</p:sld>
+</file>
+
+<file path=ppt/slides/slide7.xml><?xml version="1.0" encoding="utf-8"?>
+<p:sld xmlns:a="http://schemas.openxmlformats.org/drawingml/2006/main" xmlns:r="http://schemas.openxmlformats.org/officeDocument/2006/relationships" xmlns:p="http://schemas.openxmlformats.org/presentationml/2006/main">
+  <p:cSld>
+    <p:spTree>
+      <p:nvGrpSpPr>
         <p:cNvPr id="1" name="">
           <a:extLst>
             <a:ext uri="{FF2B5EF4-FFF2-40B4-BE49-F238E27FC236}">
@@ -9991,7 +11269,7 @@
           <a:p>
             <a:fld id="{24578CCF-2EC4-44CB-A694-F6F6E59A3985}" type="slidenum">
               <a:rPr lang="en-US" dirty="0"/>
-              <a:t>6</a:t>
+              <a:t>7</a:t>
             </a:fld>
             <a:endParaRPr lang="en-US"/>
           </a:p>
@@ -10010,7 +11288,7 @@
 </p:sld>
 </file>
 
-<file path=ppt/slides/slide7.xml><?xml version="1.0" encoding="utf-8"?>
+<file path=ppt/slides/slide8.xml><?xml version="1.0" encoding="utf-8"?>
 <p:sld xmlns:a="http://schemas.openxmlformats.org/drawingml/2006/main" xmlns:r="http://schemas.openxmlformats.org/officeDocument/2006/relationships" xmlns:p="http://schemas.openxmlformats.org/presentationml/2006/main">
   <p:cSld>
     <p:spTree>
@@ -10257,7 +11535,7 @@
           <a:p>
             <a:fld id="{24578CCF-2EC4-44CB-A694-F6F6E59A3985}" type="slidenum">
               <a:rPr lang="en-US" dirty="0"/>
-              <a:t>7</a:t>
+              <a:t>8</a:t>
             </a:fld>
             <a:endParaRPr lang="en-US"/>
           </a:p>
@@ -10276,7 +11554,7 @@
 </p:sld>
 </file>
 
-<file path=ppt/slides/slide8.xml><?xml version="1.0" encoding="utf-8"?>
+<file path=ppt/slides/slide9.xml><?xml version="1.0" encoding="utf-8"?>
 <p:sld xmlns:a="http://schemas.openxmlformats.org/drawingml/2006/main" xmlns:r="http://schemas.openxmlformats.org/officeDocument/2006/relationships" xmlns:p="http://schemas.openxmlformats.org/presentationml/2006/main">
   <p:cSld>
     <p:spTree>
@@ -10366,13 +11644,13 @@
               <a:buNone/>
             </a:pPr>
             <a:r>
-              <a:rPr lang="en-US" sz="1800" b="1">
+              <a:rPr lang="en-US" sz="1800" b="1" dirty="0">
                 <a:ea typeface="+mn-lt"/>
                 <a:cs typeface="+mn-lt"/>
               </a:rPr>
               <a:t>5. Cloud Integration</a:t>
             </a:r>
-            <a:endParaRPr lang="en-US" sz="1800">
+            <a:endParaRPr lang="en-US" sz="1800" dirty="0">
               <a:ea typeface="+mn-lt"/>
               <a:cs typeface="+mn-lt"/>
             </a:endParaRPr>
@@ -10383,7 +11661,7 @@
               <a:buChar char="•"/>
             </a:pPr>
             <a:r>
-              <a:rPr lang="en-US" sz="1800">
+              <a:rPr lang="en-US" sz="1800" dirty="0">
                 <a:ea typeface="+mn-lt"/>
                 <a:cs typeface="+mn-lt"/>
               </a:rPr>
@@ -10396,7 +11674,7 @@
               <a:buChar char="•"/>
             </a:pPr>
             <a:r>
-              <a:rPr lang="en-US" sz="1800">
+              <a:rPr lang="en-US" sz="1800" dirty="0">
                 <a:ea typeface="+mn-lt"/>
                 <a:cs typeface="+mn-lt"/>
               </a:rPr>
@@ -10409,7 +11687,7 @@
               <a:buChar char="•"/>
             </a:pPr>
             <a:r>
-              <a:rPr lang="en-US" sz="1800">
+              <a:rPr lang="en-US" sz="1800" dirty="0">
                 <a:ea typeface="+mn-lt"/>
                 <a:cs typeface="+mn-lt"/>
               </a:rPr>
@@ -10420,7 +11698,7 @@
             <a:pPr marL="0" indent="0">
               <a:buNone/>
             </a:pPr>
-            <a:endParaRPr lang="en-US" sz="600">
+            <a:endParaRPr lang="en-US" sz="600" dirty="0">
               <a:ea typeface="+mn-lt"/>
               <a:cs typeface="+mn-lt"/>
             </a:endParaRPr>
@@ -10430,13 +11708,13 @@
               <a:buNone/>
             </a:pPr>
             <a:r>
-              <a:rPr lang="en-US" sz="1800" b="1">
+              <a:rPr lang="en-US" sz="1800" b="1" dirty="0">
                 <a:ea typeface="+mn-lt"/>
                 <a:cs typeface="+mn-lt"/>
               </a:rPr>
               <a:t>6. Learning-Based MPC (LB-MPC) Control</a:t>
             </a:r>
-            <a:endParaRPr lang="en-US" sz="1800">
+            <a:endParaRPr lang="en-US" sz="1800" dirty="0">
               <a:ea typeface="+mn-lt"/>
               <a:cs typeface="+mn-lt"/>
             </a:endParaRPr>
@@ -10447,7 +11725,7 @@
               <a:buChar char="•"/>
             </a:pPr>
             <a:r>
-              <a:rPr lang="en-US" sz="1800">
+              <a:rPr lang="en-US" sz="1800" dirty="0">
                 <a:ea typeface="+mn-lt"/>
                 <a:cs typeface="+mn-lt"/>
               </a:rPr>
@@ -10460,7 +11738,7 @@
               <a:buChar char="•"/>
             </a:pPr>
             <a:r>
-              <a:rPr lang="en-US" sz="1800">
+              <a:rPr lang="en-US" sz="1800" dirty="0">
                 <a:ea typeface="+mn-lt"/>
                 <a:cs typeface="+mn-lt"/>
               </a:rPr>
@@ -10472,13 +11750,13 @@
               <a:buFont typeface="Arial"/>
             </a:pPr>
             <a:r>
-              <a:rPr lang="en-US" sz="1800">
+              <a:rPr lang="en-US" sz="1800" dirty="0">
                 <a:ea typeface="+mn-lt"/>
                 <a:cs typeface="+mn-lt"/>
               </a:rPr>
               <a:t>Use reinforcement learning to adaptively improve control policy over time.</a:t>
             </a:r>
-            <a:endParaRPr lang="en-US" sz="1800"/>
+            <a:endParaRPr lang="en-US" sz="1800" dirty="0"/>
           </a:p>
         </p:txBody>
       </p:sp>
@@ -10488,261 +11766,6 @@
             <a:extLst>
               <a:ext uri="{FF2B5EF4-FFF2-40B4-BE49-F238E27FC236}">
                 <a16:creationId xmlns:a16="http://schemas.microsoft.com/office/drawing/2014/main" id="{938F2E02-BB3D-6E79-27A3-CB40377EDE16}"/>
-              </a:ext>
-            </a:extLst>
-          </p:cNvPr>
-          <p:cNvSpPr>
-            <a:spLocks noGrp="1"/>
-          </p:cNvSpPr>
-          <p:nvPr>
-            <p:ph type="sldNum" sz="quarter" idx="12"/>
-          </p:nvPr>
-        </p:nvSpPr>
-        <p:spPr/>
-        <p:txBody>
-          <a:bodyPr/>
-          <a:lstStyle/>
-          <a:p>
-            <a:fld id="{24578CCF-2EC4-44CB-A694-F6F6E59A3985}" type="slidenum">
-              <a:rPr lang="en-US" dirty="0"/>
-              <a:t>8</a:t>
-            </a:fld>
-            <a:endParaRPr lang="en-US"/>
-          </a:p>
-        </p:txBody>
-      </p:sp>
-    </p:spTree>
-    <p:extLst>
-      <p:ext uri="{BB962C8B-B14F-4D97-AF65-F5344CB8AC3E}">
-        <p14:creationId xmlns:p14="http://schemas.microsoft.com/office/powerpoint/2010/main" val="1048118799"/>
-      </p:ext>
-    </p:extLst>
-  </p:cSld>
-  <p:clrMapOvr>
-    <a:masterClrMapping/>
-  </p:clrMapOvr>
-</p:sld>
-</file>
-
-<file path=ppt/slides/slide9.xml><?xml version="1.0" encoding="utf-8"?>
-<p:sld xmlns:a="http://schemas.openxmlformats.org/drawingml/2006/main" xmlns:r="http://schemas.openxmlformats.org/officeDocument/2006/relationships" xmlns:p="http://schemas.openxmlformats.org/presentationml/2006/main">
-  <p:cSld>
-    <p:spTree>
-      <p:nvGrpSpPr>
-        <p:cNvPr id="1" name=""/>
-        <p:cNvGrpSpPr/>
-        <p:nvPr/>
-      </p:nvGrpSpPr>
-      <p:grpSpPr>
-        <a:xfrm>
-          <a:off x="0" y="0"/>
-          <a:ext cx="0" cy="0"/>
-          <a:chOff x="0" y="0"/>
-          <a:chExt cx="0" cy="0"/>
-        </a:xfrm>
-      </p:grpSpPr>
-      <p:sp>
-        <p:nvSpPr>
-          <p:cNvPr id="2" name="Title 1">
-            <a:extLst>
-              <a:ext uri="{FF2B5EF4-FFF2-40B4-BE49-F238E27FC236}">
-                <a16:creationId xmlns:a16="http://schemas.microsoft.com/office/drawing/2014/main" id="{F86E1090-DA13-3C5B-EBF8-F35147EDC47B}"/>
-              </a:ext>
-            </a:extLst>
-          </p:cNvPr>
-          <p:cNvSpPr>
-            <a:spLocks noGrp="1"/>
-          </p:cNvSpPr>
-          <p:nvPr>
-            <p:ph type="title"/>
-          </p:nvPr>
-        </p:nvSpPr>
-        <p:spPr/>
-        <p:txBody>
-          <a:bodyPr>
-            <a:normAutofit/>
-          </a:bodyPr>
-          <a:lstStyle/>
-          <a:p>
-            <a:r>
-              <a:rPr lang="en-US" sz="3200"/>
-              <a:t>Phase 1 - </a:t>
-            </a:r>
-            <a:r>
-              <a:rPr lang="en-US" sz="3200">
-                <a:ea typeface="+mj-lt"/>
-                <a:cs typeface="+mj-lt"/>
-              </a:rPr>
-              <a:t>IEEE 14-Bus System with Hospital Zones</a:t>
-            </a:r>
-          </a:p>
-        </p:txBody>
-      </p:sp>
-      <p:sp>
-        <p:nvSpPr>
-          <p:cNvPr id="3" name="Content Placeholder 2">
-            <a:extLst>
-              <a:ext uri="{FF2B5EF4-FFF2-40B4-BE49-F238E27FC236}">
-                <a16:creationId xmlns:a16="http://schemas.microsoft.com/office/drawing/2014/main" id="{4EEB8EC1-9699-C636-499C-3666A414CA8E}"/>
-              </a:ext>
-            </a:extLst>
-          </p:cNvPr>
-          <p:cNvSpPr>
-            <a:spLocks noGrp="1"/>
-          </p:cNvSpPr>
-          <p:nvPr>
-            <p:ph idx="1"/>
-          </p:nvPr>
-        </p:nvSpPr>
-        <p:spPr/>
-        <p:txBody>
-          <a:bodyPr vert="horz" lIns="91440" tIns="45720" rIns="91440" bIns="45720" rtlCol="0" anchor="t">
-            <a:normAutofit lnSpcReduction="10000"/>
-          </a:bodyPr>
-          <a:lstStyle/>
-          <a:p>
-            <a:r>
-              <a:rPr lang="en-US" dirty="0">
-                <a:ea typeface="+mn-lt"/>
-                <a:cs typeface="+mn-lt"/>
-              </a:rPr>
-              <a:t>Load IEEE 14-Bus System</a:t>
-            </a:r>
-            <a:endParaRPr lang="en-US" dirty="0"/>
-          </a:p>
-          <a:p>
-            <a:pPr>
-              <a:buClr>
-                <a:srgbClr val="C3B2A7"/>
-              </a:buClr>
-            </a:pPr>
-            <a:r>
-              <a:rPr lang="en-US" dirty="0">
-                <a:ea typeface="+mn-lt"/>
-                <a:cs typeface="+mn-lt"/>
-              </a:rPr>
-              <a:t>Use MATLAB/Simulink (</a:t>
-            </a:r>
-            <a:r>
-              <a:rPr lang="en-US" dirty="0" err="1">
-                <a:ea typeface="+mn-lt"/>
-                <a:cs typeface="+mn-lt"/>
-              </a:rPr>
-              <a:t>Simscape</a:t>
-            </a:r>
-            <a:r>
-              <a:rPr lang="en-US" dirty="0">
-                <a:ea typeface="+mn-lt"/>
-                <a:cs typeface="+mn-lt"/>
-              </a:rPr>
-              <a:t> Electrical) or MATPOWER to load the network.</a:t>
-            </a:r>
-            <a:endParaRPr lang="en-US" dirty="0"/>
-          </a:p>
-          <a:p>
-            <a:pPr>
-              <a:buClr>
-                <a:srgbClr val="C3B2A7"/>
-              </a:buClr>
-            </a:pPr>
-            <a:r>
-              <a:rPr lang="en-US" dirty="0">
-                <a:ea typeface="+mn-lt"/>
-                <a:cs typeface="+mn-lt"/>
-              </a:rPr>
-              <a:t>Select 4-6 Buses for Hospital Zones</a:t>
-            </a:r>
-            <a:endParaRPr lang="en-US" dirty="0"/>
-          </a:p>
-          <a:p>
-            <a:pPr>
-              <a:buClr>
-                <a:srgbClr val="C3B2A7"/>
-              </a:buClr>
-            </a:pPr>
-            <a:r>
-              <a:rPr lang="en-US" dirty="0">
-                <a:ea typeface="+mn-lt"/>
-                <a:cs typeface="+mn-lt"/>
-              </a:rPr>
-              <a:t>Assign each to a hospital department based on criticality.</a:t>
-            </a:r>
-            <a:endParaRPr lang="en-US" dirty="0"/>
-          </a:p>
-          <a:p>
-            <a:pPr>
-              <a:buClr>
-                <a:srgbClr val="C3B2A7"/>
-              </a:buClr>
-            </a:pPr>
-            <a:r>
-              <a:rPr lang="en-US" dirty="0">
-                <a:ea typeface="+mn-lt"/>
-                <a:cs typeface="+mn-lt"/>
-              </a:rPr>
-              <a:t>Replace Default Loads with Custom Hospital Models</a:t>
-            </a:r>
-          </a:p>
-          <a:p>
-            <a:pPr>
-              <a:buClr>
-                <a:srgbClr val="C3B2A7"/>
-              </a:buClr>
-            </a:pPr>
-            <a:r>
-              <a:rPr lang="en-US" dirty="0">
-                <a:ea typeface="+mn-lt"/>
-                <a:cs typeface="+mn-lt"/>
-              </a:rPr>
-              <a:t>Run Simulations and observe power flow, HVAC switching, and zone-wise temperature profiles.</a:t>
-            </a:r>
-            <a:endParaRPr lang="en-US" dirty="0"/>
-          </a:p>
-          <a:p>
-            <a:pPr>
-              <a:buClr>
-                <a:srgbClr val="C3B2A7"/>
-              </a:buClr>
-            </a:pPr>
-            <a:endParaRPr lang="en-US" dirty="0"/>
-          </a:p>
-        </p:txBody>
-      </p:sp>
-      <p:sp>
-        <p:nvSpPr>
-          <p:cNvPr id="4" name="Date Placeholder 3">
-            <a:extLst>
-              <a:ext uri="{FF2B5EF4-FFF2-40B4-BE49-F238E27FC236}">
-                <a16:creationId xmlns:a16="http://schemas.microsoft.com/office/drawing/2014/main" id="{EF08A0F8-5102-299B-517A-71035E110C0C}"/>
-              </a:ext>
-            </a:extLst>
-          </p:cNvPr>
-          <p:cNvSpPr>
-            <a:spLocks noGrp="1"/>
-          </p:cNvSpPr>
-          <p:nvPr>
-            <p:ph type="dt" sz="half" idx="10"/>
-          </p:nvPr>
-        </p:nvSpPr>
-        <p:spPr/>
-        <p:txBody>
-          <a:bodyPr/>
-          <a:lstStyle/>
-          <a:p>
-            <a:fld id="{C31C078E-B99B-41AF-84C4-9BD4D26A4BEF}" type="datetime1">
-              <a:rPr lang="en-US"/>
-              <a:t>8/24/2025</a:t>
-            </a:fld>
-            <a:endParaRPr lang="en-US"/>
-          </a:p>
-        </p:txBody>
-      </p:sp>
-      <p:sp>
-        <p:nvSpPr>
-          <p:cNvPr id="5" name="Slide Number Placeholder 4">
-            <a:extLst>
-              <a:ext uri="{FF2B5EF4-FFF2-40B4-BE49-F238E27FC236}">
-                <a16:creationId xmlns:a16="http://schemas.microsoft.com/office/drawing/2014/main" id="{199ACE33-8E69-C0BE-489A-1A5A260DD5C1}"/>
               </a:ext>
             </a:extLst>
           </p:cNvPr>
@@ -10769,7 +11792,7 @@
     </p:spTree>
     <p:extLst>
       <p:ext uri="{BB962C8B-B14F-4D97-AF65-F5344CB8AC3E}">
-        <p14:creationId xmlns:p14="http://schemas.microsoft.com/office/powerpoint/2010/main" val="2547245840"/>
+        <p14:creationId xmlns:p14="http://schemas.microsoft.com/office/powerpoint/2010/main" val="1048118799"/>
       </p:ext>
     </p:extLst>
   </p:cSld>
